--- a/SE499/Lectures/8/Best Practices.pptx
+++ b/SE499/Lectures/8/Best Practices.pptx
@@ -5,32 +5,38 @@
     <p:sldMasterId id="2147483648" r:id="rId1"/>
   </p:sldMasterIdLst>
   <p:notesMasterIdLst>
-    <p:notesMasterId r:id="rId25"/>
+    <p:notesMasterId r:id="rId31"/>
   </p:notesMasterIdLst>
   <p:sldIdLst>
     <p:sldId id="256" r:id="rId2"/>
     <p:sldId id="809" r:id="rId3"/>
-    <p:sldId id="819" r:id="rId4"/>
-    <p:sldId id="820" r:id="rId5"/>
-    <p:sldId id="821" r:id="rId6"/>
-    <p:sldId id="822" r:id="rId7"/>
-    <p:sldId id="823" r:id="rId8"/>
-    <p:sldId id="824" r:id="rId9"/>
-    <p:sldId id="825" r:id="rId10"/>
-    <p:sldId id="810" r:id="rId11"/>
-    <p:sldId id="826" r:id="rId12"/>
-    <p:sldId id="827" r:id="rId13"/>
-    <p:sldId id="828" r:id="rId14"/>
-    <p:sldId id="811" r:id="rId15"/>
-    <p:sldId id="812" r:id="rId16"/>
-    <p:sldId id="813" r:id="rId17"/>
-    <p:sldId id="814" r:id="rId18"/>
-    <p:sldId id="816" r:id="rId19"/>
-    <p:sldId id="817" r:id="rId20"/>
-    <p:sldId id="818" r:id="rId21"/>
-    <p:sldId id="815" r:id="rId22"/>
-    <p:sldId id="829" r:id="rId23"/>
-    <p:sldId id="830" r:id="rId24"/>
+    <p:sldId id="831" r:id="rId4"/>
+    <p:sldId id="833" r:id="rId5"/>
+    <p:sldId id="832" r:id="rId6"/>
+    <p:sldId id="834" r:id="rId7"/>
+    <p:sldId id="835" r:id="rId8"/>
+    <p:sldId id="819" r:id="rId9"/>
+    <p:sldId id="836" r:id="rId10"/>
+    <p:sldId id="820" r:id="rId11"/>
+    <p:sldId id="821" r:id="rId12"/>
+    <p:sldId id="822" r:id="rId13"/>
+    <p:sldId id="823" r:id="rId14"/>
+    <p:sldId id="824" r:id="rId15"/>
+    <p:sldId id="825" r:id="rId16"/>
+    <p:sldId id="810" r:id="rId17"/>
+    <p:sldId id="826" r:id="rId18"/>
+    <p:sldId id="827" r:id="rId19"/>
+    <p:sldId id="828" r:id="rId20"/>
+    <p:sldId id="811" r:id="rId21"/>
+    <p:sldId id="812" r:id="rId22"/>
+    <p:sldId id="813" r:id="rId23"/>
+    <p:sldId id="814" r:id="rId24"/>
+    <p:sldId id="816" r:id="rId25"/>
+    <p:sldId id="817" r:id="rId26"/>
+    <p:sldId id="818" r:id="rId27"/>
+    <p:sldId id="815" r:id="rId28"/>
+    <p:sldId id="829" r:id="rId29"/>
+    <p:sldId id="830" r:id="rId30"/>
   </p:sldIdLst>
   <p:sldSz cx="12192000" cy="6858000"/>
   <p:notesSz cx="6858000" cy="9144000"/>
@@ -3270,7 +3276,7 @@
           <a:p>
             <a:fld id="{41DA9887-9249-49FD-809A-BACB264048C3}" type="datetimeFigureOut">
               <a:rPr lang="en-US" smtClean="0"/>
-              <a:t>4/16/2024</a:t>
+              <a:t>4/17/2024</a:t>
             </a:fld>
             <a:endParaRPr lang="en-US"/>
           </a:p>
@@ -3672,7 +3678,7 @@
           <a:p>
             <a:fld id="{EF213E56-3C1A-435A-851B-5B1F221C2038}" type="datetime1">
               <a:rPr lang="en-US" smtClean="0"/>
-              <a:t>4/16/2024</a:t>
+              <a:t>4/17/2024</a:t>
             </a:fld>
             <a:endParaRPr lang="en-US"/>
           </a:p>
@@ -3951,7 +3957,7 @@
           <a:p>
             <a:fld id="{B4696837-4851-4AA6-8AED-554226C981D1}" type="datetime1">
               <a:rPr lang="en-US" smtClean="0"/>
-              <a:t>4/16/2024</a:t>
+              <a:t>4/17/2024</a:t>
             </a:fld>
             <a:endParaRPr lang="en-US"/>
           </a:p>
@@ -4129,7 +4135,7 @@
           <a:p>
             <a:fld id="{BADD32E1-BB70-4827-BA33-FF5AFC435BE9}" type="datetime1">
               <a:rPr lang="en-US" smtClean="0"/>
-              <a:t>4/16/2024</a:t>
+              <a:t>4/17/2024</a:t>
             </a:fld>
             <a:endParaRPr lang="en-US"/>
           </a:p>
@@ -4372,7 +4378,7 @@
             </a:pPr>
             <a:fld id="{40B9EAF6-54F2-4DF5-9C6B-3F6F95B86356}" type="datetime1">
               <a:rPr lang="en-US" smtClean="0"/>
-              <a:t>4/16/2024</a:t>
+              <a:t>4/17/2024</a:t>
             </a:fld>
             <a:endParaRPr lang="en-US"/>
           </a:p>
@@ -4552,7 +4558,7 @@
             </a:pPr>
             <a:fld id="{D3D64A56-6FF4-479A-8655-719A18A98C4B}" type="datetime1">
               <a:rPr lang="en-US" smtClean="0"/>
-              <a:t>4/16/2024</a:t>
+              <a:t>4/17/2024</a:t>
             </a:fld>
             <a:endParaRPr lang="en-US"/>
           </a:p>
@@ -4830,7 +4836,7 @@
           <a:p>
             <a:fld id="{BB961044-FC46-4CBC-9061-59528F4899F3}" type="datetime1">
               <a:rPr lang="en-US" smtClean="0"/>
-              <a:t>4/16/2024</a:t>
+              <a:t>4/17/2024</a:t>
             </a:fld>
             <a:endParaRPr lang="en-US"/>
           </a:p>
@@ -5174,7 +5180,7 @@
           <a:p>
             <a:fld id="{4466A08C-77F3-471E-A5C4-1D2068144BAC}" type="datetime1">
               <a:rPr lang="en-US" smtClean="0"/>
-              <a:t>4/16/2024</a:t>
+              <a:t>4/17/2024</a:t>
             </a:fld>
             <a:endParaRPr lang="en-US"/>
           </a:p>
@@ -5403,7 +5409,7 @@
           <a:p>
             <a:fld id="{B90A7AD1-16F4-44C3-AE32-24C59A599E9D}" type="datetime1">
               <a:rPr lang="en-US" smtClean="0"/>
-              <a:t>4/16/2024</a:t>
+              <a:t>4/17/2024</a:t>
             </a:fld>
             <a:endParaRPr lang="en-US"/>
           </a:p>
@@ -5767,7 +5773,7 @@
           <a:p>
             <a:fld id="{B583DB4F-4316-4DF5-A229-BC1D787C82A0}" type="datetime1">
               <a:rPr lang="en-US" smtClean="0"/>
-              <a:t>4/16/2024</a:t>
+              <a:t>4/17/2024</a:t>
             </a:fld>
             <a:endParaRPr lang="en-US"/>
           </a:p>
@@ -5862,7 +5868,7 @@
           <a:p>
             <a:fld id="{AE6064B7-7A9F-432D-B7B9-6824267AA574}" type="datetime1">
               <a:rPr lang="en-US" smtClean="0"/>
-              <a:t>4/16/2024</a:t>
+              <a:t>4/17/2024</a:t>
             </a:fld>
             <a:endParaRPr lang="en-US"/>
           </a:p>
@@ -6084,7 +6090,7 @@
             <a:fld id="{B2F5E2FA-C428-4CE7-95B0-168D3259A5BB}" type="datetimeFigureOut">
               <a:rPr lang="en-US" smtClean="0"/>
               <a:pPr/>
-              <a:t>4/16/2024</a:t>
+              <a:t>4/17/2024</a:t>
             </a:fld>
             <a:endParaRPr lang="en-US"/>
           </a:p>
@@ -6255,7 +6261,7 @@
           <a:p>
             <a:fld id="{4E1C93A2-B712-486A-8AB5-D41B95D547BE}" type="datetime1">
               <a:rPr lang="en-US" smtClean="0"/>
-              <a:t>4/16/2024</a:t>
+              <a:t>4/17/2024</a:t>
             </a:fld>
             <a:endParaRPr lang="en-US"/>
           </a:p>
@@ -6530,7 +6536,7 @@
           <a:p>
             <a:fld id="{CAB2F318-F19F-4608-B7EF-F7FB8A482213}" type="datetime1">
               <a:rPr lang="en-US" smtClean="0"/>
-              <a:t>4/16/2024</a:t>
+              <a:t>4/17/2024</a:t>
             </a:fld>
             <a:endParaRPr lang="en-US"/>
           </a:p>
@@ -6782,7 +6788,7 @@
           <a:p>
             <a:fld id="{BB9CEF8C-69D6-4C3E-B892-F682F307A7B6}" type="datetime1">
               <a:rPr lang="en-US" smtClean="0"/>
-              <a:t>4/16/2024</a:t>
+              <a:t>4/17/2024</a:t>
             </a:fld>
             <a:endParaRPr lang="en-US"/>
           </a:p>
@@ -6993,7 +6999,7 @@
           <a:p>
             <a:fld id="{FB737C73-4A31-4C17-AFB7-7B8470027787}" type="datetime1">
               <a:rPr lang="en-US" smtClean="0"/>
-              <a:t>4/16/2024</a:t>
+              <a:t>4/17/2024</a:t>
             </a:fld>
             <a:endParaRPr lang="en-US"/>
           </a:p>
@@ -7515,7 +7521,7 @@
           <p:cNvPr id="2" name="Title 1">
             <a:extLst>
               <a:ext uri="{FF2B5EF4-FFF2-40B4-BE49-F238E27FC236}">
-                <a16:creationId xmlns:a16="http://schemas.microsoft.com/office/drawing/2014/main" id="{008F4DFB-974B-452A-A21B-FA0B73D98013}"/>
+                <a16:creationId xmlns:a16="http://schemas.microsoft.com/office/drawing/2014/main" id="{82444F16-621D-4D18-AA67-67FD321B6D51}"/>
               </a:ext>
             </a:extLst>
           </p:cNvPr>
@@ -7528,12 +7534,14 @@
         </p:nvSpPr>
         <p:spPr/>
         <p:txBody>
-          <a:bodyPr/>
-          <a:lstStyle/>
-          <a:p>
-            <a:r>
-              <a:rPr lang="en-US" dirty="0"/>
-              <a:t>Use design patterns and principles</a:t>
+          <a:bodyPr>
+            <a:normAutofit fontScale="90000"/>
+          </a:bodyPr>
+          <a:lstStyle/>
+          <a:p>
+            <a:r>
+              <a:rPr lang="en-US" dirty="0"/>
+              <a:t>Connecting Our Project to Real-World Challenges</a:t>
             </a:r>
           </a:p>
         </p:txBody>
@@ -7543,7 +7551,7 @@
           <p:cNvPr id="3" name="Content Placeholder 2">
             <a:extLst>
               <a:ext uri="{FF2B5EF4-FFF2-40B4-BE49-F238E27FC236}">
-                <a16:creationId xmlns:a16="http://schemas.microsoft.com/office/drawing/2014/main" id="{2FF97A8F-AAD7-4620-8F1D-86FA59E2A394}"/>
+                <a16:creationId xmlns:a16="http://schemas.microsoft.com/office/drawing/2014/main" id="{C900F745-473E-453E-9CF5-1B5E0560712A}"/>
               </a:ext>
             </a:extLst>
           </p:cNvPr>
@@ -7556,30 +7564,32 @@
         </p:nvSpPr>
         <p:spPr/>
         <p:txBody>
-          <a:bodyPr/>
-          <a:lstStyle/>
-          <a:p>
-            <a:r>
-              <a:rPr lang="en-US" dirty="0"/>
-              <a:t>Use design patterns to solve common software design problems.</a:t>
-            </a:r>
-          </a:p>
-          <a:p>
-            <a:r>
-              <a:rPr lang="en-US" dirty="0"/>
-              <a:t>Design Patterns: A Solution to Common Software Design Problems</a:t>
-            </a:r>
-          </a:p>
-          <a:p>
-            <a:r>
-              <a:rPr lang="en-US" dirty="0"/>
-              <a:t>Examples of design patterns (e.g. Singleton, Factory, Observer)</a:t>
-            </a:r>
-          </a:p>
-          <a:p>
-            <a:r>
-              <a:rPr lang="en-US" dirty="0"/>
-              <a:t>Benefits of using design patterns (e.g. improves code maintainability, scalability, and extensibility)</a:t>
+          <a:bodyPr>
+            <a:normAutofit/>
+          </a:bodyPr>
+          <a:lstStyle/>
+          <a:p>
+            <a:r>
+              <a:rPr lang="en-US" dirty="0"/>
+              <a:t>"Our project addresses a specific challenge in the [industry/field]</a:t>
+            </a:r>
+          </a:p>
+          <a:p>
+            <a:r>
+              <a:rPr lang="en-US" dirty="0"/>
+              <a:t>This challenge is a major concern for [stakeholders/businesses/organizations]</a:t>
+            </a:r>
+          </a:p>
+          <a:p>
+            <a:r>
+              <a:rPr lang="en-US" dirty="0"/>
+              <a:t>Our solution could potentially disrupt/improve the way [industry/field] operates</a:t>
+            </a:r>
+          </a:p>
+          <a:p>
+            <a:r>
+              <a:rPr lang="en-US" dirty="0"/>
+              <a:t>Our project aligns with the goals of [related initiatives/policies/regulations]</a:t>
             </a:r>
           </a:p>
           <a:p>
@@ -7595,7 +7605,7 @@
           <p:cNvPr id="4" name="Slide Number Placeholder 3">
             <a:extLst>
               <a:ext uri="{FF2B5EF4-FFF2-40B4-BE49-F238E27FC236}">
-                <a16:creationId xmlns:a16="http://schemas.microsoft.com/office/drawing/2014/main" id="{053BF016-424B-4379-A302-298EB8901A02}"/>
+                <a16:creationId xmlns:a16="http://schemas.microsoft.com/office/drawing/2014/main" id="{B5BABCC7-A8C3-469E-82C7-13E912EFC33B}"/>
               </a:ext>
             </a:extLst>
           </p:cNvPr>
@@ -7623,7 +7633,7 @@
     </p:spTree>
     <p:extLst>
       <p:ext uri="{BB962C8B-B14F-4D97-AF65-F5344CB8AC3E}">
-        <p14:creationId xmlns:p14="http://schemas.microsoft.com/office/powerpoint/2010/main" val="459609536"/>
+        <p14:creationId xmlns:p14="http://schemas.microsoft.com/office/powerpoint/2010/main" val="3503640097"/>
       </p:ext>
     </p:extLst>
   </p:cSld>
@@ -7655,6 +7665,680 @@
           <p:cNvPr id="2" name="Title 1">
             <a:extLst>
               <a:ext uri="{FF2B5EF4-FFF2-40B4-BE49-F238E27FC236}">
+                <a16:creationId xmlns:a16="http://schemas.microsoft.com/office/drawing/2014/main" id="{C93C3FDF-13D0-445A-881F-4983DEE9673F}"/>
+              </a:ext>
+            </a:extLst>
+          </p:cNvPr>
+          <p:cNvSpPr>
+            <a:spLocks noGrp="1"/>
+          </p:cNvSpPr>
+          <p:nvPr>
+            <p:ph type="title"/>
+          </p:nvPr>
+        </p:nvSpPr>
+        <p:spPr/>
+        <p:txBody>
+          <a:bodyPr>
+            <a:normAutofit/>
+          </a:bodyPr>
+          <a:lstStyle/>
+          <a:p>
+            <a:r>
+              <a:rPr lang="en-US" dirty="0"/>
+              <a:t>Potential Impact</a:t>
+            </a:r>
+          </a:p>
+        </p:txBody>
+      </p:sp>
+      <p:sp>
+        <p:nvSpPr>
+          <p:cNvPr id="3" name="Content Placeholder 2">
+            <a:extLst>
+              <a:ext uri="{FF2B5EF4-FFF2-40B4-BE49-F238E27FC236}">
+                <a16:creationId xmlns:a16="http://schemas.microsoft.com/office/drawing/2014/main" id="{439AA967-3A0E-4443-981D-ADC5FBDC1F58}"/>
+              </a:ext>
+            </a:extLst>
+          </p:cNvPr>
+          <p:cNvSpPr>
+            <a:spLocks noGrp="1"/>
+          </p:cNvSpPr>
+          <p:nvPr>
+            <p:ph idx="1"/>
+          </p:nvPr>
+        </p:nvSpPr>
+        <p:spPr/>
+        <p:txBody>
+          <a:bodyPr>
+            <a:normAutofit/>
+          </a:bodyPr>
+          <a:lstStyle/>
+          <a:p>
+            <a:r>
+              <a:rPr lang="en-US" dirty="0"/>
+              <a:t>Our solution has the potential to [positive impact on society/environment/economy]</a:t>
+            </a:r>
+          </a:p>
+          <a:p>
+            <a:r>
+              <a:rPr lang="en-US" dirty="0"/>
+              <a:t>This impact could be felt by [number] of people/businesses/organizations</a:t>
+            </a:r>
+          </a:p>
+          <a:p>
+            <a:r>
+              <a:rPr lang="en-US" dirty="0"/>
+              <a:t>Our project could contribute to [larger social/environmental/economic goal]</a:t>
+            </a:r>
+          </a:p>
+          <a:p>
+            <a:r>
+              <a:rPr lang="en-US" dirty="0"/>
+              <a:t>The potential benefits of our project are [specific benefits, e.g. cost savings, increased efficiency, improved health outcomes]</a:t>
+            </a:r>
+          </a:p>
+          <a:p>
+            <a:endParaRPr lang="en-US" dirty="0"/>
+          </a:p>
+        </p:txBody>
+      </p:sp>
+      <p:sp>
+        <p:nvSpPr>
+          <p:cNvPr id="4" name="Slide Number Placeholder 3">
+            <a:extLst>
+              <a:ext uri="{FF2B5EF4-FFF2-40B4-BE49-F238E27FC236}">
+                <a16:creationId xmlns:a16="http://schemas.microsoft.com/office/drawing/2014/main" id="{569CBB24-695A-4BDA-963C-1644FA106D05}"/>
+              </a:ext>
+            </a:extLst>
+          </p:cNvPr>
+          <p:cNvSpPr>
+            <a:spLocks noGrp="1"/>
+          </p:cNvSpPr>
+          <p:nvPr>
+            <p:ph type="sldNum" sz="quarter" idx="12"/>
+          </p:nvPr>
+        </p:nvSpPr>
+        <p:spPr/>
+        <p:txBody>
+          <a:bodyPr/>
+          <a:lstStyle/>
+          <a:p>
+            <a:fld id="{B8DACC02-A2BD-4578-8E03-6D891060A695}" type="slidenum">
+              <a:rPr lang="en-US" smtClean="0"/>
+              <a:pPr/>
+              <a:t>11</a:t>
+            </a:fld>
+            <a:endParaRPr lang="en-US" dirty="0"/>
+          </a:p>
+        </p:txBody>
+      </p:sp>
+    </p:spTree>
+    <p:extLst>
+      <p:ext uri="{BB962C8B-B14F-4D97-AF65-F5344CB8AC3E}">
+        <p14:creationId xmlns:p14="http://schemas.microsoft.com/office/powerpoint/2010/main" val="152558390"/>
+      </p:ext>
+    </p:extLst>
+  </p:cSld>
+  <p:clrMapOvr>
+    <a:masterClrMapping/>
+  </p:clrMapOvr>
+</p:sld>
+</file>
+
+<file path=ppt/slides/slide12.xml><?xml version="1.0" encoding="utf-8"?>
+<p:sld xmlns:a="http://schemas.openxmlformats.org/drawingml/2006/main" xmlns:r="http://schemas.openxmlformats.org/officeDocument/2006/relationships" xmlns:p="http://schemas.openxmlformats.org/presentationml/2006/main">
+  <p:cSld>
+    <p:spTree>
+      <p:nvGrpSpPr>
+        <p:cNvPr id="1" name=""/>
+        <p:cNvGrpSpPr/>
+        <p:nvPr/>
+      </p:nvGrpSpPr>
+      <p:grpSpPr>
+        <a:xfrm>
+          <a:off x="0" y="0"/>
+          <a:ext cx="0" cy="0"/>
+          <a:chOff x="0" y="0"/>
+          <a:chExt cx="0" cy="0"/>
+        </a:xfrm>
+      </p:grpSpPr>
+      <p:sp>
+        <p:nvSpPr>
+          <p:cNvPr id="2" name="Title 1">
+            <a:extLst>
+              <a:ext uri="{FF2B5EF4-FFF2-40B4-BE49-F238E27FC236}">
+                <a16:creationId xmlns:a16="http://schemas.microsoft.com/office/drawing/2014/main" id="{2ECB096E-D5F1-48ED-866A-19FAD5031BD5}"/>
+              </a:ext>
+            </a:extLst>
+          </p:cNvPr>
+          <p:cNvSpPr>
+            <a:spLocks noGrp="1"/>
+          </p:cNvSpPr>
+          <p:nvPr>
+            <p:ph type="title"/>
+          </p:nvPr>
+        </p:nvSpPr>
+        <p:spPr/>
+        <p:txBody>
+          <a:bodyPr/>
+          <a:lstStyle/>
+          <a:p>
+            <a:r>
+              <a:rPr lang="en-US" dirty="0"/>
+              <a:t>What Sets Our Project Apart</a:t>
+            </a:r>
+          </a:p>
+        </p:txBody>
+      </p:sp>
+      <p:sp>
+        <p:nvSpPr>
+          <p:cNvPr id="3" name="Content Placeholder 2">
+            <a:extLst>
+              <a:ext uri="{FF2B5EF4-FFF2-40B4-BE49-F238E27FC236}">
+                <a16:creationId xmlns:a16="http://schemas.microsoft.com/office/drawing/2014/main" id="{D2C78C20-6C2D-425D-99F6-BD485EB6824D}"/>
+              </a:ext>
+            </a:extLst>
+          </p:cNvPr>
+          <p:cNvSpPr>
+            <a:spLocks noGrp="1"/>
+          </p:cNvSpPr>
+          <p:nvPr>
+            <p:ph idx="1"/>
+          </p:nvPr>
+        </p:nvSpPr>
+        <p:spPr/>
+        <p:txBody>
+          <a:bodyPr/>
+          <a:lstStyle/>
+          <a:p>
+            <a:r>
+              <a:rPr lang="en-US" dirty="0"/>
+              <a:t>"Our project is unique because it [briefly describe the project's unique features or approach]</a:t>
+            </a:r>
+          </a:p>
+          <a:p>
+            <a:r>
+              <a:rPr lang="en-US" dirty="0"/>
+              <a:t>This approach/feature set us apart from other projects in the industry</a:t>
+            </a:r>
+          </a:p>
+          <a:p>
+            <a:r>
+              <a:rPr lang="en-US" dirty="0"/>
+              <a:t>Our project's uniqueness provides a competitive advantage in the market</a:t>
+            </a:r>
+          </a:p>
+          <a:p>
+            <a:endParaRPr lang="en-US" dirty="0"/>
+          </a:p>
+          <a:p>
+            <a:endParaRPr lang="en-US" dirty="0"/>
+          </a:p>
+        </p:txBody>
+      </p:sp>
+      <p:sp>
+        <p:nvSpPr>
+          <p:cNvPr id="4" name="Slide Number Placeholder 3">
+            <a:extLst>
+              <a:ext uri="{FF2B5EF4-FFF2-40B4-BE49-F238E27FC236}">
+                <a16:creationId xmlns:a16="http://schemas.microsoft.com/office/drawing/2014/main" id="{282222B3-DD9F-410C-8066-4ED675E5E68B}"/>
+              </a:ext>
+            </a:extLst>
+          </p:cNvPr>
+          <p:cNvSpPr>
+            <a:spLocks noGrp="1"/>
+          </p:cNvSpPr>
+          <p:nvPr>
+            <p:ph type="sldNum" sz="quarter" idx="12"/>
+          </p:nvPr>
+        </p:nvSpPr>
+        <p:spPr/>
+        <p:txBody>
+          <a:bodyPr/>
+          <a:lstStyle/>
+          <a:p>
+            <a:fld id="{B8DACC02-A2BD-4578-8E03-6D891060A695}" type="slidenum">
+              <a:rPr lang="en-US" smtClean="0"/>
+              <a:pPr/>
+              <a:t>12</a:t>
+            </a:fld>
+            <a:endParaRPr lang="en-US" dirty="0"/>
+          </a:p>
+        </p:txBody>
+      </p:sp>
+    </p:spTree>
+    <p:extLst>
+      <p:ext uri="{BB962C8B-B14F-4D97-AF65-F5344CB8AC3E}">
+        <p14:creationId xmlns:p14="http://schemas.microsoft.com/office/powerpoint/2010/main" val="2511265921"/>
+      </p:ext>
+    </p:extLst>
+  </p:cSld>
+  <p:clrMapOvr>
+    <a:masterClrMapping/>
+  </p:clrMapOvr>
+</p:sld>
+</file>
+
+<file path=ppt/slides/slide13.xml><?xml version="1.0" encoding="utf-8"?>
+<p:sld xmlns:a="http://schemas.openxmlformats.org/drawingml/2006/main" xmlns:r="http://schemas.openxmlformats.org/officeDocument/2006/relationships" xmlns:p="http://schemas.openxmlformats.org/presentationml/2006/main">
+  <p:cSld>
+    <p:spTree>
+      <p:nvGrpSpPr>
+        <p:cNvPr id="1" name=""/>
+        <p:cNvGrpSpPr/>
+        <p:nvPr/>
+      </p:nvGrpSpPr>
+      <p:grpSpPr>
+        <a:xfrm>
+          <a:off x="0" y="0"/>
+          <a:ext cx="0" cy="0"/>
+          <a:chOff x="0" y="0"/>
+          <a:chExt cx="0" cy="0"/>
+        </a:xfrm>
+      </p:grpSpPr>
+      <p:sp>
+        <p:nvSpPr>
+          <p:cNvPr id="2" name="Title 1">
+            <a:extLst>
+              <a:ext uri="{FF2B5EF4-FFF2-40B4-BE49-F238E27FC236}">
+                <a16:creationId xmlns:a16="http://schemas.microsoft.com/office/drawing/2014/main" id="{F29ADC9A-2157-4652-9581-123BBBB0C9C9}"/>
+              </a:ext>
+            </a:extLst>
+          </p:cNvPr>
+          <p:cNvSpPr>
+            <a:spLocks noGrp="1"/>
+          </p:cNvSpPr>
+          <p:nvPr>
+            <p:ph type="title"/>
+          </p:nvPr>
+        </p:nvSpPr>
+        <p:spPr/>
+        <p:txBody>
+          <a:bodyPr/>
+          <a:lstStyle/>
+          <a:p>
+            <a:r>
+              <a:rPr lang="en-US" dirty="0"/>
+              <a:t>The Value We Bring</a:t>
+            </a:r>
+          </a:p>
+        </p:txBody>
+      </p:sp>
+      <p:sp>
+        <p:nvSpPr>
+          <p:cNvPr id="3" name="Content Placeholder 2">
+            <a:extLst>
+              <a:ext uri="{FF2B5EF4-FFF2-40B4-BE49-F238E27FC236}">
+                <a16:creationId xmlns:a16="http://schemas.microsoft.com/office/drawing/2014/main" id="{1F566A08-F593-49B3-BC6E-54C55BE9E982}"/>
+              </a:ext>
+            </a:extLst>
+          </p:cNvPr>
+          <p:cNvSpPr>
+            <a:spLocks noGrp="1"/>
+          </p:cNvSpPr>
+          <p:nvPr>
+            <p:ph idx="1"/>
+          </p:nvPr>
+        </p:nvSpPr>
+        <p:spPr/>
+        <p:txBody>
+          <a:bodyPr/>
+          <a:lstStyle/>
+          <a:p>
+            <a:r>
+              <a:rPr lang="en-US" dirty="0"/>
+              <a:t>Our project offers [describe the specific benefits or value that the project provides]</a:t>
+            </a:r>
+          </a:p>
+          <a:p>
+            <a:r>
+              <a:rPr lang="en-US" dirty="0"/>
+              <a:t>These benefits/value are not currently available in the market</a:t>
+            </a:r>
+          </a:p>
+          <a:p>
+            <a:r>
+              <a:rPr lang="en-US" dirty="0"/>
+              <a:t>Our project's added value sets us apart from the competition</a:t>
+            </a:r>
+          </a:p>
+          <a:p>
+            <a:endParaRPr lang="en-US" dirty="0"/>
+          </a:p>
+        </p:txBody>
+      </p:sp>
+      <p:sp>
+        <p:nvSpPr>
+          <p:cNvPr id="4" name="Slide Number Placeholder 3">
+            <a:extLst>
+              <a:ext uri="{FF2B5EF4-FFF2-40B4-BE49-F238E27FC236}">
+                <a16:creationId xmlns:a16="http://schemas.microsoft.com/office/drawing/2014/main" id="{CFC891CC-1A60-40F2-943E-801DA271BA23}"/>
+              </a:ext>
+            </a:extLst>
+          </p:cNvPr>
+          <p:cNvSpPr>
+            <a:spLocks noGrp="1"/>
+          </p:cNvSpPr>
+          <p:nvPr>
+            <p:ph type="sldNum" sz="quarter" idx="12"/>
+          </p:nvPr>
+        </p:nvSpPr>
+        <p:spPr/>
+        <p:txBody>
+          <a:bodyPr/>
+          <a:lstStyle/>
+          <a:p>
+            <a:fld id="{B8DACC02-A2BD-4578-8E03-6D891060A695}" type="slidenum">
+              <a:rPr lang="en-US" smtClean="0"/>
+              <a:pPr/>
+              <a:t>13</a:t>
+            </a:fld>
+            <a:endParaRPr lang="en-US" dirty="0"/>
+          </a:p>
+        </p:txBody>
+      </p:sp>
+    </p:spTree>
+    <p:extLst>
+      <p:ext uri="{BB962C8B-B14F-4D97-AF65-F5344CB8AC3E}">
+        <p14:creationId xmlns:p14="http://schemas.microsoft.com/office/powerpoint/2010/main" val="632715464"/>
+      </p:ext>
+    </p:extLst>
+  </p:cSld>
+  <p:clrMapOvr>
+    <a:masterClrMapping/>
+  </p:clrMapOvr>
+</p:sld>
+</file>
+
+<file path=ppt/slides/slide14.xml><?xml version="1.0" encoding="utf-8"?>
+<p:sld xmlns:a="http://schemas.openxmlformats.org/drawingml/2006/main" xmlns:r="http://schemas.openxmlformats.org/officeDocument/2006/relationships" xmlns:p="http://schemas.openxmlformats.org/presentationml/2006/main">
+  <p:cSld>
+    <p:spTree>
+      <p:nvGrpSpPr>
+        <p:cNvPr id="1" name=""/>
+        <p:cNvGrpSpPr/>
+        <p:nvPr/>
+      </p:nvGrpSpPr>
+      <p:grpSpPr>
+        <a:xfrm>
+          <a:off x="0" y="0"/>
+          <a:ext cx="0" cy="0"/>
+          <a:chOff x="0" y="0"/>
+          <a:chExt cx="0" cy="0"/>
+        </a:xfrm>
+      </p:grpSpPr>
+      <p:sp>
+        <p:nvSpPr>
+          <p:cNvPr id="2" name="Title 1">
+            <a:extLst>
+              <a:ext uri="{FF2B5EF4-FFF2-40B4-BE49-F238E27FC236}">
+                <a16:creationId xmlns:a16="http://schemas.microsoft.com/office/drawing/2014/main" id="{C83E3C9C-C757-444F-85B9-01974AE59020}"/>
+              </a:ext>
+            </a:extLst>
+          </p:cNvPr>
+          <p:cNvSpPr>
+            <a:spLocks noGrp="1"/>
+          </p:cNvSpPr>
+          <p:nvPr>
+            <p:ph type="title"/>
+          </p:nvPr>
+        </p:nvSpPr>
+        <p:spPr/>
+        <p:txBody>
+          <a:bodyPr/>
+          <a:lstStyle/>
+          <a:p>
+            <a:r>
+              <a:rPr lang="en-US" dirty="0"/>
+              <a:t>Our Competitive Edge</a:t>
+            </a:r>
+          </a:p>
+        </p:txBody>
+      </p:sp>
+      <p:sp>
+        <p:nvSpPr>
+          <p:cNvPr id="3" name="Content Placeholder 2">
+            <a:extLst>
+              <a:ext uri="{FF2B5EF4-FFF2-40B4-BE49-F238E27FC236}">
+                <a16:creationId xmlns:a16="http://schemas.microsoft.com/office/drawing/2014/main" id="{9B617BCF-E118-416B-BE59-93586AD01656}"/>
+              </a:ext>
+            </a:extLst>
+          </p:cNvPr>
+          <p:cNvSpPr>
+            <a:spLocks noGrp="1"/>
+          </p:cNvSpPr>
+          <p:nvPr>
+            <p:ph idx="1"/>
+          </p:nvPr>
+        </p:nvSpPr>
+        <p:spPr/>
+        <p:txBody>
+          <a:bodyPr/>
+          <a:lstStyle/>
+          <a:p>
+            <a:r>
+              <a:rPr lang="en-US" dirty="0"/>
+              <a:t>Our project's unique approach/features give us a competitive advantage in the market</a:t>
+            </a:r>
+          </a:p>
+          <a:p>
+            <a:r>
+              <a:rPr lang="en-US" dirty="0"/>
+              <a:t>Our project offers [describe the specific benefits or value that the project provides]</a:t>
+            </a:r>
+          </a:p>
+          <a:p>
+            <a:r>
+              <a:rPr lang="en-US" dirty="0"/>
+              <a:t>This sets us apart from the competition and provides a strong selling point</a:t>
+            </a:r>
+          </a:p>
+          <a:p>
+            <a:endParaRPr lang="en-US" dirty="0"/>
+          </a:p>
+          <a:p>
+            <a:endParaRPr lang="en-US" dirty="0"/>
+          </a:p>
+        </p:txBody>
+      </p:sp>
+      <p:sp>
+        <p:nvSpPr>
+          <p:cNvPr id="4" name="Slide Number Placeholder 3">
+            <a:extLst>
+              <a:ext uri="{FF2B5EF4-FFF2-40B4-BE49-F238E27FC236}">
+                <a16:creationId xmlns:a16="http://schemas.microsoft.com/office/drawing/2014/main" id="{257838B9-4013-4B8C-958E-22BD4DA572F9}"/>
+              </a:ext>
+            </a:extLst>
+          </p:cNvPr>
+          <p:cNvSpPr>
+            <a:spLocks noGrp="1"/>
+          </p:cNvSpPr>
+          <p:nvPr>
+            <p:ph type="sldNum" sz="quarter" idx="12"/>
+          </p:nvPr>
+        </p:nvSpPr>
+        <p:spPr/>
+        <p:txBody>
+          <a:bodyPr/>
+          <a:lstStyle/>
+          <a:p>
+            <a:fld id="{B8DACC02-A2BD-4578-8E03-6D891060A695}" type="slidenum">
+              <a:rPr lang="en-US" smtClean="0"/>
+              <a:pPr/>
+              <a:t>14</a:t>
+            </a:fld>
+            <a:endParaRPr lang="en-US" dirty="0"/>
+          </a:p>
+        </p:txBody>
+      </p:sp>
+    </p:spTree>
+    <p:extLst>
+      <p:ext uri="{BB962C8B-B14F-4D97-AF65-F5344CB8AC3E}">
+        <p14:creationId xmlns:p14="http://schemas.microsoft.com/office/powerpoint/2010/main" val="3365914269"/>
+      </p:ext>
+    </p:extLst>
+  </p:cSld>
+  <p:clrMapOvr>
+    <a:masterClrMapping/>
+  </p:clrMapOvr>
+</p:sld>
+</file>
+
+<file path=ppt/slides/slide15.xml><?xml version="1.0" encoding="utf-8"?>
+<p:sld xmlns:a="http://schemas.openxmlformats.org/drawingml/2006/main" xmlns:r="http://schemas.openxmlformats.org/officeDocument/2006/relationships" xmlns:p="http://schemas.openxmlformats.org/presentationml/2006/main">
+  <p:cSld>
+    <p:spTree>
+      <p:nvGrpSpPr>
+        <p:cNvPr id="1" name=""/>
+        <p:cNvGrpSpPr/>
+        <p:nvPr/>
+      </p:nvGrpSpPr>
+      <p:grpSpPr>
+        <a:xfrm>
+          <a:off x="0" y="0"/>
+          <a:ext cx="0" cy="0"/>
+          <a:chOff x="0" y="0"/>
+          <a:chExt cx="0" cy="0"/>
+        </a:xfrm>
+      </p:grpSpPr>
+      <p:sp>
+        <p:nvSpPr>
+          <p:cNvPr id="2" name="Title 1">
+            <a:extLst>
+              <a:ext uri="{FF2B5EF4-FFF2-40B4-BE49-F238E27FC236}">
+                <a16:creationId xmlns:a16="http://schemas.microsoft.com/office/drawing/2014/main" id="{BDF92F25-BF07-4B42-BF8C-AD9EF666E95B}"/>
+              </a:ext>
+            </a:extLst>
+          </p:cNvPr>
+          <p:cNvSpPr>
+            <a:spLocks noGrp="1"/>
+          </p:cNvSpPr>
+          <p:nvPr>
+            <p:ph type="title"/>
+          </p:nvPr>
+        </p:nvSpPr>
+        <p:spPr/>
+        <p:txBody>
+          <a:bodyPr/>
+          <a:lstStyle/>
+          <a:p>
+            <a:r>
+              <a:rPr lang="en-US" dirty="0"/>
+              <a:t>Capitalizing on a Growing Market</a:t>
+            </a:r>
+          </a:p>
+        </p:txBody>
+      </p:sp>
+      <p:sp>
+        <p:nvSpPr>
+          <p:cNvPr id="3" name="Content Placeholder 2">
+            <a:extLst>
+              <a:ext uri="{FF2B5EF4-FFF2-40B4-BE49-F238E27FC236}">
+                <a16:creationId xmlns:a16="http://schemas.microsoft.com/office/drawing/2014/main" id="{3A8E0A91-8515-4E48-B055-F4920C7E1BF9}"/>
+              </a:ext>
+            </a:extLst>
+          </p:cNvPr>
+          <p:cNvSpPr>
+            <a:spLocks noGrp="1"/>
+          </p:cNvSpPr>
+          <p:nvPr>
+            <p:ph idx="1"/>
+          </p:nvPr>
+        </p:nvSpPr>
+        <p:spPr/>
+        <p:txBody>
+          <a:bodyPr/>
+          <a:lstStyle/>
+          <a:p>
+            <a:r>
+              <a:rPr lang="en-US" dirty="0"/>
+              <a:t>The market for [specific industry/service] is growing rapidly</a:t>
+            </a:r>
+          </a:p>
+          <a:p>
+            <a:r>
+              <a:rPr lang="en-US" dirty="0"/>
+              <a:t>Our project is well-positioned to capitalize on this growth</a:t>
+            </a:r>
+          </a:p>
+          <a:p>
+            <a:r>
+              <a:rPr lang="en-US" dirty="0"/>
+              <a:t>Our unique approach/features make us an attractive option for customers</a:t>
+            </a:r>
+          </a:p>
+          <a:p>
+            <a:endParaRPr lang="en-US" dirty="0"/>
+          </a:p>
+          <a:p>
+            <a:endParaRPr lang="en-US" dirty="0"/>
+          </a:p>
+        </p:txBody>
+      </p:sp>
+      <p:sp>
+        <p:nvSpPr>
+          <p:cNvPr id="4" name="Slide Number Placeholder 3">
+            <a:extLst>
+              <a:ext uri="{FF2B5EF4-FFF2-40B4-BE49-F238E27FC236}">
+                <a16:creationId xmlns:a16="http://schemas.microsoft.com/office/drawing/2014/main" id="{98719456-D0EA-4771-BC28-BAB1DFF1A369}"/>
+              </a:ext>
+            </a:extLst>
+          </p:cNvPr>
+          <p:cNvSpPr>
+            <a:spLocks noGrp="1"/>
+          </p:cNvSpPr>
+          <p:nvPr>
+            <p:ph type="sldNum" sz="quarter" idx="12"/>
+          </p:nvPr>
+        </p:nvSpPr>
+        <p:spPr/>
+        <p:txBody>
+          <a:bodyPr/>
+          <a:lstStyle/>
+          <a:p>
+            <a:fld id="{B8DACC02-A2BD-4578-8E03-6D891060A695}" type="slidenum">
+              <a:rPr lang="en-US" smtClean="0"/>
+              <a:pPr/>
+              <a:t>15</a:t>
+            </a:fld>
+            <a:endParaRPr lang="en-US" dirty="0"/>
+          </a:p>
+        </p:txBody>
+      </p:sp>
+    </p:spTree>
+    <p:extLst>
+      <p:ext uri="{BB962C8B-B14F-4D97-AF65-F5344CB8AC3E}">
+        <p14:creationId xmlns:p14="http://schemas.microsoft.com/office/powerpoint/2010/main" val="2979451208"/>
+      </p:ext>
+    </p:extLst>
+  </p:cSld>
+  <p:clrMapOvr>
+    <a:masterClrMapping/>
+  </p:clrMapOvr>
+</p:sld>
+</file>
+
+<file path=ppt/slides/slide16.xml><?xml version="1.0" encoding="utf-8"?>
+<p:sld xmlns:a="http://schemas.openxmlformats.org/drawingml/2006/main" xmlns:r="http://schemas.openxmlformats.org/officeDocument/2006/relationships" xmlns:p="http://schemas.openxmlformats.org/presentationml/2006/main">
+  <p:cSld>
+    <p:spTree>
+      <p:nvGrpSpPr>
+        <p:cNvPr id="1" name=""/>
+        <p:cNvGrpSpPr/>
+        <p:nvPr/>
+      </p:nvGrpSpPr>
+      <p:grpSpPr>
+        <a:xfrm>
+          <a:off x="0" y="0"/>
+          <a:ext cx="0" cy="0"/>
+          <a:chOff x="0" y="0"/>
+          <a:chExt cx="0" cy="0"/>
+        </a:xfrm>
+      </p:grpSpPr>
+      <p:sp>
+        <p:nvSpPr>
+          <p:cNvPr id="2" name="Title 1">
+            <a:extLst>
+              <a:ext uri="{FF2B5EF4-FFF2-40B4-BE49-F238E27FC236}">
                 <a16:creationId xmlns:a16="http://schemas.microsoft.com/office/drawing/2014/main" id="{008F4DFB-974B-452A-A21B-FA0B73D98013}"/>
               </a:ext>
             </a:extLst>
@@ -7673,7 +8357,7 @@
           <a:p>
             <a:r>
               <a:rPr lang="en-US" dirty="0"/>
-              <a:t>SOLID Principles</a:t>
+              <a:t>Use design patterns and principles</a:t>
             </a:r>
           </a:p>
         </p:txBody>
@@ -7701,16 +8385,29 @@
           <a:p>
             <a:r>
               <a:rPr lang="en-US" dirty="0"/>
-              <a:t>Apply principles such as SOLID (Single Responsibility, Open/Closed, </a:t>
-            </a:r>
-            <a:r>
-              <a:rPr lang="en-US" dirty="0" err="1"/>
-              <a:t>Liskov</a:t>
-            </a:r>
-            <a:r>
-              <a:rPr lang="en-US" dirty="0"/>
-              <a:t> Substitution, Interface Segregation, and Dependency Inversion) to ensure that code is maintainable, scalable, and extensible.</a:t>
-            </a:r>
+              <a:t>Use design patterns to solve common software design problems.</a:t>
+            </a:r>
+          </a:p>
+          <a:p>
+            <a:r>
+              <a:rPr lang="en-US" dirty="0"/>
+              <a:t>Design Patterns: A Solution to Common Software Design Problems</a:t>
+            </a:r>
+          </a:p>
+          <a:p>
+            <a:r>
+              <a:rPr lang="en-US" dirty="0"/>
+              <a:t>Examples of design patterns (e.g. Singleton, Factory, Observer)</a:t>
+            </a:r>
+          </a:p>
+          <a:p>
+            <a:r>
+              <a:rPr lang="en-US" dirty="0"/>
+              <a:t>Benefits of using design patterns (e.g. improves code maintainability, scalability, and extensibility)</a:t>
+            </a:r>
+          </a:p>
+          <a:p>
+            <a:endParaRPr lang="en-US" dirty="0"/>
           </a:p>
           <a:p>
             <a:endParaRPr lang="en-US" dirty="0"/>
@@ -7741,7 +8438,134 @@
             <a:fld id="{B8DACC02-A2BD-4578-8E03-6D891060A695}" type="slidenum">
               <a:rPr lang="en-US" smtClean="0"/>
               <a:pPr/>
-              <a:t>11</a:t>
+              <a:t>16</a:t>
+            </a:fld>
+            <a:endParaRPr lang="en-US" dirty="0"/>
+          </a:p>
+        </p:txBody>
+      </p:sp>
+    </p:spTree>
+    <p:extLst>
+      <p:ext uri="{BB962C8B-B14F-4D97-AF65-F5344CB8AC3E}">
+        <p14:creationId xmlns:p14="http://schemas.microsoft.com/office/powerpoint/2010/main" val="459609536"/>
+      </p:ext>
+    </p:extLst>
+  </p:cSld>
+  <p:clrMapOvr>
+    <a:masterClrMapping/>
+  </p:clrMapOvr>
+</p:sld>
+</file>
+
+<file path=ppt/slides/slide17.xml><?xml version="1.0" encoding="utf-8"?>
+<p:sld xmlns:a="http://schemas.openxmlformats.org/drawingml/2006/main" xmlns:r="http://schemas.openxmlformats.org/officeDocument/2006/relationships" xmlns:p="http://schemas.openxmlformats.org/presentationml/2006/main">
+  <p:cSld>
+    <p:spTree>
+      <p:nvGrpSpPr>
+        <p:cNvPr id="1" name=""/>
+        <p:cNvGrpSpPr/>
+        <p:nvPr/>
+      </p:nvGrpSpPr>
+      <p:grpSpPr>
+        <a:xfrm>
+          <a:off x="0" y="0"/>
+          <a:ext cx="0" cy="0"/>
+          <a:chOff x="0" y="0"/>
+          <a:chExt cx="0" cy="0"/>
+        </a:xfrm>
+      </p:grpSpPr>
+      <p:sp>
+        <p:nvSpPr>
+          <p:cNvPr id="2" name="Title 1">
+            <a:extLst>
+              <a:ext uri="{FF2B5EF4-FFF2-40B4-BE49-F238E27FC236}">
+                <a16:creationId xmlns:a16="http://schemas.microsoft.com/office/drawing/2014/main" id="{008F4DFB-974B-452A-A21B-FA0B73D98013}"/>
+              </a:ext>
+            </a:extLst>
+          </p:cNvPr>
+          <p:cNvSpPr>
+            <a:spLocks noGrp="1"/>
+          </p:cNvSpPr>
+          <p:nvPr>
+            <p:ph type="title"/>
+          </p:nvPr>
+        </p:nvSpPr>
+        <p:spPr/>
+        <p:txBody>
+          <a:bodyPr/>
+          <a:lstStyle/>
+          <a:p>
+            <a:r>
+              <a:rPr lang="en-US" dirty="0"/>
+              <a:t>SOLID Principles</a:t>
+            </a:r>
+          </a:p>
+        </p:txBody>
+      </p:sp>
+      <p:sp>
+        <p:nvSpPr>
+          <p:cNvPr id="3" name="Content Placeholder 2">
+            <a:extLst>
+              <a:ext uri="{FF2B5EF4-FFF2-40B4-BE49-F238E27FC236}">
+                <a16:creationId xmlns:a16="http://schemas.microsoft.com/office/drawing/2014/main" id="{2FF97A8F-AAD7-4620-8F1D-86FA59E2A394}"/>
+              </a:ext>
+            </a:extLst>
+          </p:cNvPr>
+          <p:cNvSpPr>
+            <a:spLocks noGrp="1"/>
+          </p:cNvSpPr>
+          <p:nvPr>
+            <p:ph idx="1"/>
+          </p:nvPr>
+        </p:nvSpPr>
+        <p:spPr/>
+        <p:txBody>
+          <a:bodyPr/>
+          <a:lstStyle/>
+          <a:p>
+            <a:r>
+              <a:rPr lang="en-US" dirty="0"/>
+              <a:t>Apply principles such as SOLID (Single Responsibility, Open/Closed, </a:t>
+            </a:r>
+            <a:r>
+              <a:rPr lang="en-US" dirty="0" err="1"/>
+              <a:t>Liskov</a:t>
+            </a:r>
+            <a:r>
+              <a:rPr lang="en-US" dirty="0"/>
+              <a:t> Substitution, Interface Segregation, and Dependency Inversion) to ensure that code is maintainable, scalable, and extensible.</a:t>
+            </a:r>
+          </a:p>
+          <a:p>
+            <a:endParaRPr lang="en-US" dirty="0"/>
+          </a:p>
+        </p:txBody>
+      </p:sp>
+      <p:sp>
+        <p:nvSpPr>
+          <p:cNvPr id="4" name="Slide Number Placeholder 3">
+            <a:extLst>
+              <a:ext uri="{FF2B5EF4-FFF2-40B4-BE49-F238E27FC236}">
+                <a16:creationId xmlns:a16="http://schemas.microsoft.com/office/drawing/2014/main" id="{053BF016-424B-4379-A302-298EB8901A02}"/>
+              </a:ext>
+            </a:extLst>
+          </p:cNvPr>
+          <p:cNvSpPr>
+            <a:spLocks noGrp="1"/>
+          </p:cNvSpPr>
+          <p:nvPr>
+            <p:ph type="sldNum" sz="quarter" idx="12"/>
+          </p:nvPr>
+        </p:nvSpPr>
+        <p:spPr/>
+        <p:txBody>
+          <a:bodyPr/>
+          <a:lstStyle/>
+          <a:p>
+            <a:fld id="{B8DACC02-A2BD-4578-8E03-6D891060A695}" type="slidenum">
+              <a:rPr lang="en-US" smtClean="0"/>
+              <a:pPr/>
+              <a:t>17</a:t>
             </a:fld>
             <a:endParaRPr lang="en-US" dirty="0"/>
           </a:p>
@@ -7820,7 +8644,7 @@
 </p:sld>
 </file>
 
-<file path=ppt/slides/slide12.xml><?xml version="1.0" encoding="utf-8"?>
+<file path=ppt/slides/slide18.xml><?xml version="1.0" encoding="utf-8"?>
 <p:sld xmlns:a="http://schemas.openxmlformats.org/drawingml/2006/main" xmlns:r="http://schemas.openxmlformats.org/officeDocument/2006/relationships" xmlns:p="http://schemas.openxmlformats.org/presentationml/2006/main">
   <p:cSld>
     <p:spTree>
@@ -7934,7 +8758,7 @@
             <a:fld id="{B8DACC02-A2BD-4578-8E03-6D891060A695}" type="slidenum">
               <a:rPr lang="en-US" smtClean="0"/>
               <a:pPr/>
-              <a:t>12</a:t>
+              <a:t>18</a:t>
             </a:fld>
             <a:endParaRPr lang="en-US" dirty="0"/>
           </a:p>
@@ -7998,7 +8822,7 @@
 </p:sld>
 </file>
 
-<file path=ppt/slides/slide13.xml><?xml version="1.0" encoding="utf-8"?>
+<file path=ppt/slides/slide19.xml><?xml version="1.0" encoding="utf-8"?>
 <p:sld xmlns:a="http://schemas.openxmlformats.org/drawingml/2006/main" xmlns:r="http://schemas.openxmlformats.org/officeDocument/2006/relationships" xmlns:p="http://schemas.openxmlformats.org/presentationml/2006/main">
   <p:cSld>
     <p:spTree>
@@ -8126,7 +8950,7 @@
             <a:fld id="{B8DACC02-A2BD-4578-8E03-6D891060A695}" type="slidenum">
               <a:rPr lang="en-US" smtClean="0"/>
               <a:pPr/>
-              <a:t>13</a:t>
+              <a:t>19</a:t>
             </a:fld>
             <a:endParaRPr lang="en-US" dirty="0"/>
           </a:p>
@@ -8145,7 +8969,7 @@
 </p:sld>
 </file>
 
-<file path=ppt/slides/slide14.xml><?xml version="1.0" encoding="utf-8"?>
+<file path=ppt/slides/slide2.xml><?xml version="1.0" encoding="utf-8"?>
 <p:sld xmlns:a="http://schemas.openxmlformats.org/drawingml/2006/main" xmlns:r="http://schemas.openxmlformats.org/officeDocument/2006/relationships" xmlns:p="http://schemas.openxmlformats.org/presentationml/2006/main">
   <p:cSld>
     <p:spTree>
@@ -8164,6 +8988,118 @@
       </p:grpSpPr>
       <p:sp>
         <p:nvSpPr>
+          <p:cNvPr id="2" name="Title 1"/>
+          <p:cNvSpPr>
+            <a:spLocks noGrp="1"/>
+          </p:cNvSpPr>
+          <p:nvPr>
+            <p:ph type="title"/>
+          </p:nvPr>
+        </p:nvSpPr>
+        <p:spPr/>
+        <p:txBody>
+          <a:bodyPr>
+            <a:normAutofit fontScale="90000"/>
+          </a:bodyPr>
+          <a:lstStyle/>
+          <a:p>
+            <a:r>
+              <a:rPr lang="en-US" dirty="0"/>
+              <a:t>Define a clear and concise project scope statement</a:t>
+            </a:r>
+          </a:p>
+        </p:txBody>
+      </p:sp>
+      <p:sp>
+        <p:nvSpPr>
+          <p:cNvPr id="3" name="Content Placeholder 2"/>
+          <p:cNvSpPr>
+            <a:spLocks noGrp="1"/>
+          </p:cNvSpPr>
+          <p:nvPr>
+            <p:ph idx="1"/>
+          </p:nvPr>
+        </p:nvSpPr>
+        <p:spPr/>
+        <p:txBody>
+          <a:bodyPr/>
+          <a:lstStyle/>
+          <a:p>
+            <a:r>
+              <a:rPr lang="en-US" dirty="0"/>
+              <a:t>Clearly define the project's goals, deliverables, and timelines.</a:t>
+            </a:r>
+          </a:p>
+          <a:p>
+            <a:r>
+              <a:rPr lang="en-US" dirty="0"/>
+              <a:t>Identify stakeholders, their needs, and their roles in the project.</a:t>
+            </a:r>
+          </a:p>
+          <a:p>
+            <a:r>
+              <a:rPr lang="en-US" dirty="0"/>
+              <a:t>Establish a process for scope changes and ensure that all stakeholders are aware of it.</a:t>
+            </a:r>
+          </a:p>
+        </p:txBody>
+      </p:sp>
+      <p:sp>
+        <p:nvSpPr>
+          <p:cNvPr id="4" name="Slide Number Placeholder 3"/>
+          <p:cNvSpPr>
+            <a:spLocks noGrp="1"/>
+          </p:cNvSpPr>
+          <p:nvPr>
+            <p:ph type="sldNum" sz="quarter" idx="12"/>
+          </p:nvPr>
+        </p:nvSpPr>
+        <p:spPr/>
+        <p:txBody>
+          <a:bodyPr/>
+          <a:lstStyle/>
+          <a:p>
+            <a:fld id="{B8DACC02-A2BD-4578-8E03-6D891060A695}" type="slidenum">
+              <a:rPr lang="en-US" smtClean="0"/>
+              <a:pPr/>
+              <a:t>2</a:t>
+            </a:fld>
+            <a:endParaRPr lang="en-US" dirty="0"/>
+          </a:p>
+        </p:txBody>
+      </p:sp>
+    </p:spTree>
+    <p:extLst>
+      <p:ext uri="{BB962C8B-B14F-4D97-AF65-F5344CB8AC3E}">
+        <p14:creationId xmlns:p14="http://schemas.microsoft.com/office/powerpoint/2010/main" val="2490819176"/>
+      </p:ext>
+    </p:extLst>
+  </p:cSld>
+  <p:clrMapOvr>
+    <a:masterClrMapping/>
+  </p:clrMapOvr>
+</p:sld>
+</file>
+
+<file path=ppt/slides/slide20.xml><?xml version="1.0" encoding="utf-8"?>
+<p:sld xmlns:a="http://schemas.openxmlformats.org/drawingml/2006/main" xmlns:r="http://schemas.openxmlformats.org/officeDocument/2006/relationships" xmlns:p="http://schemas.openxmlformats.org/presentationml/2006/main">
+  <p:cSld>
+    <p:spTree>
+      <p:nvGrpSpPr>
+        <p:cNvPr id="1" name=""/>
+        <p:cNvGrpSpPr/>
+        <p:nvPr/>
+      </p:nvGrpSpPr>
+      <p:grpSpPr>
+        <a:xfrm>
+          <a:off x="0" y="0"/>
+          <a:ext cx="0" cy="0"/>
+          <a:chOff x="0" y="0"/>
+          <a:chExt cx="0" cy="0"/>
+        </a:xfrm>
+      </p:grpSpPr>
+      <p:sp>
+        <p:nvSpPr>
           <p:cNvPr id="2" name="Title 1">
             <a:extLst>
               <a:ext uri="{FF2B5EF4-FFF2-40B4-BE49-F238E27FC236}">
@@ -8260,7 +9196,7 @@
             <a:fld id="{B8DACC02-A2BD-4578-8E03-6D891060A695}" type="slidenum">
               <a:rPr lang="en-US" smtClean="0"/>
               <a:pPr/>
-              <a:t>14</a:t>
+              <a:t>20</a:t>
             </a:fld>
             <a:endParaRPr lang="en-US" dirty="0"/>
           </a:p>
@@ -8326,7 +9262,7 @@
 </p:sld>
 </file>
 
-<file path=ppt/slides/slide15.xml><?xml version="1.0" encoding="utf-8"?>
+<file path=ppt/slides/slide21.xml><?xml version="1.0" encoding="utf-8"?>
 <p:sld xmlns:a="http://schemas.openxmlformats.org/drawingml/2006/main" xmlns:r="http://schemas.openxmlformats.org/officeDocument/2006/relationships" xmlns:p="http://schemas.openxmlformats.org/presentationml/2006/main">
   <p:cSld>
     <p:spTree>
@@ -8438,7 +9374,7 @@
             <a:fld id="{B8DACC02-A2BD-4578-8E03-6D891060A695}" type="slidenum">
               <a:rPr lang="en-US" smtClean="0"/>
               <a:pPr/>
-              <a:t>15</a:t>
+              <a:t>21</a:t>
             </a:fld>
             <a:endParaRPr lang="en-US" dirty="0"/>
           </a:p>
@@ -8502,7 +9438,7 @@
 </p:sld>
 </file>
 
-<file path=ppt/slides/slide16.xml><?xml version="1.0" encoding="utf-8"?>
+<file path=ppt/slides/slide22.xml><?xml version="1.0" encoding="utf-8"?>
 <p:sld xmlns:a="http://schemas.openxmlformats.org/drawingml/2006/main" xmlns:r="http://schemas.openxmlformats.org/officeDocument/2006/relationships" xmlns:p="http://schemas.openxmlformats.org/presentationml/2006/main">
   <p:cSld>
     <p:spTree>
@@ -8614,7 +9550,7 @@
             <a:fld id="{B8DACC02-A2BD-4578-8E03-6D891060A695}" type="slidenum">
               <a:rPr lang="en-US" smtClean="0"/>
               <a:pPr/>
-              <a:t>16</a:t>
+              <a:t>22</a:t>
             </a:fld>
             <a:endParaRPr lang="en-US" dirty="0"/>
           </a:p>
@@ -8680,7 +9616,7 @@
 </p:sld>
 </file>
 
-<file path=ppt/slides/slide17.xml><?xml version="1.0" encoding="utf-8"?>
+<file path=ppt/slides/slide23.xml><?xml version="1.0" encoding="utf-8"?>
 <p:sld xmlns:a="http://schemas.openxmlformats.org/drawingml/2006/main" xmlns:r="http://schemas.openxmlformats.org/officeDocument/2006/relationships" xmlns:p="http://schemas.openxmlformats.org/presentationml/2006/main">
   <p:cSld>
     <p:spTree>
@@ -8783,7 +9719,7 @@
             <a:fld id="{B8DACC02-A2BD-4578-8E03-6D891060A695}" type="slidenum">
               <a:rPr lang="en-US" smtClean="0"/>
               <a:pPr/>
-              <a:t>17</a:t>
+              <a:t>23</a:t>
             </a:fld>
             <a:endParaRPr lang="en-US" dirty="0"/>
           </a:p>
@@ -8802,7 +9738,7 @@
 </p:sld>
 </file>
 
-<file path=ppt/slides/slide18.xml><?xml version="1.0" encoding="utf-8"?>
+<file path=ppt/slides/slide24.xml><?xml version="1.0" encoding="utf-8"?>
 <p:sld xmlns:a="http://schemas.openxmlformats.org/drawingml/2006/main" xmlns:r="http://schemas.openxmlformats.org/officeDocument/2006/relationships" xmlns:p="http://schemas.openxmlformats.org/presentationml/2006/main">
   <p:cSld>
     <p:spTree>
@@ -8901,7 +9837,7 @@
             <a:fld id="{B8DACC02-A2BD-4578-8E03-6D891060A695}" type="slidenum">
               <a:rPr lang="en-US" smtClean="0"/>
               <a:pPr/>
-              <a:t>18</a:t>
+              <a:t>24</a:t>
             </a:fld>
             <a:endParaRPr lang="en-US" dirty="0"/>
           </a:p>
@@ -8948,7 +9884,7 @@
 </p:sld>
 </file>
 
-<file path=ppt/slides/slide19.xml><?xml version="1.0" encoding="utf-8"?>
+<file path=ppt/slides/slide25.xml><?xml version="1.0" encoding="utf-8"?>
 <p:sld xmlns:a="http://schemas.openxmlformats.org/drawingml/2006/main" xmlns:r="http://schemas.openxmlformats.org/officeDocument/2006/relationships" xmlns:p="http://schemas.openxmlformats.org/presentationml/2006/main">
   <p:cSld>
     <p:spTree>
@@ -9081,7 +10017,7 @@
             <a:fld id="{B8DACC02-A2BD-4578-8E03-6D891060A695}" type="slidenum">
               <a:rPr lang="en-US" smtClean="0"/>
               <a:pPr/>
-              <a:t>19</a:t>
+              <a:t>25</a:t>
             </a:fld>
             <a:endParaRPr lang="en-US" dirty="0"/>
           </a:p>
@@ -9100,7 +10036,7 @@
 </p:sld>
 </file>
 
-<file path=ppt/slides/slide2.xml><?xml version="1.0" encoding="utf-8"?>
+<file path=ppt/slides/slide26.xml><?xml version="1.0" encoding="utf-8"?>
 <p:sld xmlns:a="http://schemas.openxmlformats.org/drawingml/2006/main" xmlns:r="http://schemas.openxmlformats.org/officeDocument/2006/relationships" xmlns:p="http://schemas.openxmlformats.org/presentationml/2006/main">
   <p:cSld>
     <p:spTree>
@@ -9119,7 +10055,13 @@
       </p:grpSpPr>
       <p:sp>
         <p:nvSpPr>
-          <p:cNvPr id="2" name="Title 1"/>
+          <p:cNvPr id="2" name="Title 1">
+            <a:extLst>
+              <a:ext uri="{FF2B5EF4-FFF2-40B4-BE49-F238E27FC236}">
+                <a16:creationId xmlns:a16="http://schemas.microsoft.com/office/drawing/2014/main" id="{78FA9F3C-AB76-4C99-B0A5-CFFEDDB44C2E}"/>
+              </a:ext>
+            </a:extLst>
+          </p:cNvPr>
           <p:cNvSpPr>
             <a:spLocks noGrp="1"/>
           </p:cNvSpPr>
@@ -9129,21 +10071,25 @@
         </p:nvSpPr>
         <p:spPr/>
         <p:txBody>
-          <a:bodyPr>
-            <a:normAutofit fontScale="90000"/>
-          </a:bodyPr>
-          <a:lstStyle/>
-          <a:p>
-            <a:r>
-              <a:rPr lang="en-US" dirty="0"/>
-              <a:t>Define a clear and concise project scope statement</a:t>
-            </a:r>
-          </a:p>
-        </p:txBody>
-      </p:sp>
-      <p:sp>
-        <p:nvSpPr>
-          <p:cNvPr id="3" name="Content Placeholder 2"/>
+          <a:bodyPr/>
+          <a:lstStyle/>
+          <a:p>
+            <a:r>
+              <a:rPr lang="en-US" dirty="0"/>
+              <a:t>Documentation</a:t>
+            </a:r>
+          </a:p>
+        </p:txBody>
+      </p:sp>
+      <p:sp>
+        <p:nvSpPr>
+          <p:cNvPr id="3" name="Content Placeholder 2">
+            <a:extLst>
+              <a:ext uri="{FF2B5EF4-FFF2-40B4-BE49-F238E27FC236}">
+                <a16:creationId xmlns:a16="http://schemas.microsoft.com/office/drawing/2014/main" id="{062F99DE-A189-4AD8-93D6-E363AC1F8A28}"/>
+              </a:ext>
+            </a:extLst>
+          </p:cNvPr>
           <p:cNvSpPr>
             <a:spLocks noGrp="1"/>
           </p:cNvSpPr>
@@ -9158,26 +10104,47 @@
           <a:p>
             <a:r>
               <a:rPr lang="en-US" dirty="0"/>
-              <a:t>Clearly define the project's goals, deliverables, and timelines.</a:t>
-            </a:r>
-          </a:p>
-          <a:p>
-            <a:r>
-              <a:rPr lang="en-US" dirty="0"/>
-              <a:t>Identify stakeholders, their needs, and their roles in the project.</a:t>
-            </a:r>
-          </a:p>
-          <a:p>
-            <a:r>
-              <a:rPr lang="en-US" dirty="0"/>
-              <a:t>Establish a process for scope changes and ensure that all stakeholders are aware of it.</a:t>
-            </a:r>
-          </a:p>
-        </p:txBody>
-      </p:sp>
-      <p:sp>
-        <p:nvSpPr>
-          <p:cNvPr id="4" name="Slide Number Placeholder 3"/>
+              <a:t>Documentation is an essential part of software development projects</a:t>
+            </a:r>
+          </a:p>
+          <a:p>
+            <a:r>
+              <a:rPr lang="en-US" dirty="0"/>
+              <a:t>Clear, concise, and comprehensive documentation helps to ensure project success</a:t>
+            </a:r>
+          </a:p>
+          <a:p>
+            <a:r>
+              <a:rPr lang="en-US" dirty="0"/>
+              <a:t>Following best practices for documentation can improve communication, collaboration, and productivity</a:t>
+            </a:r>
+          </a:p>
+          <a:p>
+            <a:r>
+              <a:rPr lang="en-US" dirty="0"/>
+              <a:t>Investing time and effort in documentation pays off in the long run</a:t>
+            </a:r>
+          </a:p>
+          <a:p>
+            <a:r>
+              <a:rPr lang="en-US" dirty="0"/>
+              <a:t>Remember, documentation is not just a requirement, it's an opportunity to create a better project.</a:t>
+            </a:r>
+          </a:p>
+          <a:p>
+            <a:endParaRPr lang="en-US" dirty="0"/>
+          </a:p>
+        </p:txBody>
+      </p:sp>
+      <p:sp>
+        <p:nvSpPr>
+          <p:cNvPr id="4" name="Slide Number Placeholder 3">
+            <a:extLst>
+              <a:ext uri="{FF2B5EF4-FFF2-40B4-BE49-F238E27FC236}">
+                <a16:creationId xmlns:a16="http://schemas.microsoft.com/office/drawing/2014/main" id="{B9466887-1448-474E-BFD9-055D19D4E1B2}"/>
+              </a:ext>
+            </a:extLst>
+          </p:cNvPr>
           <p:cNvSpPr>
             <a:spLocks noGrp="1"/>
           </p:cNvSpPr>
@@ -9193,7 +10160,7 @@
             <a:fld id="{B8DACC02-A2BD-4578-8E03-6D891060A695}" type="slidenum">
               <a:rPr lang="en-US" smtClean="0"/>
               <a:pPr/>
-              <a:t>2</a:t>
+              <a:t>26</a:t>
             </a:fld>
             <a:endParaRPr lang="en-US" dirty="0"/>
           </a:p>
@@ -9202,7 +10169,7 @@
     </p:spTree>
     <p:extLst>
       <p:ext uri="{BB962C8B-B14F-4D97-AF65-F5344CB8AC3E}">
-        <p14:creationId xmlns:p14="http://schemas.microsoft.com/office/powerpoint/2010/main" val="2490819176"/>
+        <p14:creationId xmlns:p14="http://schemas.microsoft.com/office/powerpoint/2010/main" val="2722041200"/>
       </p:ext>
     </p:extLst>
   </p:cSld>
@@ -9212,7 +10179,7 @@
 </p:sld>
 </file>
 
-<file path=ppt/slides/slide20.xml><?xml version="1.0" encoding="utf-8"?>
+<file path=ppt/slides/slide27.xml><?xml version="1.0" encoding="utf-8"?>
 <p:sld xmlns:a="http://schemas.openxmlformats.org/drawingml/2006/main" xmlns:r="http://schemas.openxmlformats.org/officeDocument/2006/relationships" xmlns:p="http://schemas.openxmlformats.org/presentationml/2006/main">
   <p:cSld>
     <p:spTree>
@@ -9234,7 +10201,7 @@
           <p:cNvPr id="2" name="Title 1">
             <a:extLst>
               <a:ext uri="{FF2B5EF4-FFF2-40B4-BE49-F238E27FC236}">
-                <a16:creationId xmlns:a16="http://schemas.microsoft.com/office/drawing/2014/main" id="{78FA9F3C-AB76-4C99-B0A5-CFFEDDB44C2E}"/>
+                <a16:creationId xmlns:a16="http://schemas.microsoft.com/office/drawing/2014/main" id="{B59E378F-4AEC-4D41-8CE1-1E7BEE2F50DA}"/>
               </a:ext>
             </a:extLst>
           </p:cNvPr>
@@ -9252,7 +10219,7 @@
           <a:p>
             <a:r>
               <a:rPr lang="en-US" dirty="0"/>
-              <a:t>Documentation</a:t>
+              <a:t>Use security best practices</a:t>
             </a:r>
           </a:p>
         </p:txBody>
@@ -9262,7 +10229,7 @@
           <p:cNvPr id="3" name="Content Placeholder 2">
             <a:extLst>
               <a:ext uri="{FF2B5EF4-FFF2-40B4-BE49-F238E27FC236}">
-                <a16:creationId xmlns:a16="http://schemas.microsoft.com/office/drawing/2014/main" id="{062F99DE-A189-4AD8-93D6-E363AC1F8A28}"/>
+                <a16:creationId xmlns:a16="http://schemas.microsoft.com/office/drawing/2014/main" id="{CAFFBB4B-C8C1-4037-826B-C6B37D23B0F0}"/>
               </a:ext>
             </a:extLst>
           </p:cNvPr>
@@ -9280,31 +10247,13 @@
           <a:p>
             <a:r>
               <a:rPr lang="en-US" dirty="0"/>
-              <a:t>Documentation is an essential part of software development projects</a:t>
-            </a:r>
-          </a:p>
-          <a:p>
-            <a:r>
-              <a:rPr lang="en-US" dirty="0"/>
-              <a:t>Clear, concise, and comprehensive documentation helps to ensure project success</a:t>
-            </a:r>
-          </a:p>
-          <a:p>
-            <a:r>
-              <a:rPr lang="en-US" dirty="0"/>
-              <a:t>Following best practices for documentation can improve communication, collaboration, and productivity</a:t>
-            </a:r>
-          </a:p>
-          <a:p>
-            <a:r>
-              <a:rPr lang="en-US" dirty="0"/>
-              <a:t>Investing time and effort in documentation pays off in the long run</a:t>
-            </a:r>
-          </a:p>
-          <a:p>
-            <a:r>
-              <a:rPr lang="en-US" dirty="0"/>
-              <a:t>Remember, documentation is not just a requirement, it's an opportunity to create a better project.</a:t>
+              <a:t>Use security best practices such as secure coding practices, secure communication protocols, and secure data storage.</a:t>
+            </a:r>
+          </a:p>
+          <a:p>
+            <a:r>
+              <a:rPr lang="en-US" dirty="0"/>
+              <a:t>Ensure that all sensitive data is encrypted and access is restricted to authorized personnel.</a:t>
             </a:r>
           </a:p>
           <a:p>
@@ -9317,7 +10266,7 @@
           <p:cNvPr id="4" name="Slide Number Placeholder 3">
             <a:extLst>
               <a:ext uri="{FF2B5EF4-FFF2-40B4-BE49-F238E27FC236}">
-                <a16:creationId xmlns:a16="http://schemas.microsoft.com/office/drawing/2014/main" id="{B9466887-1448-474E-BFD9-055D19D4E1B2}"/>
+                <a16:creationId xmlns:a16="http://schemas.microsoft.com/office/drawing/2014/main" id="{033D2BC3-41B2-40EB-916D-9300658AF2AA}"/>
               </a:ext>
             </a:extLst>
           </p:cNvPr>
@@ -9336,7 +10285,7 @@
             <a:fld id="{B8DACC02-A2BD-4578-8E03-6D891060A695}" type="slidenum">
               <a:rPr lang="en-US" smtClean="0"/>
               <a:pPr/>
-              <a:t>20</a:t>
+              <a:t>27</a:t>
             </a:fld>
             <a:endParaRPr lang="en-US" dirty="0"/>
           </a:p>
@@ -9345,7 +10294,7 @@
     </p:spTree>
     <p:extLst>
       <p:ext uri="{BB962C8B-B14F-4D97-AF65-F5344CB8AC3E}">
-        <p14:creationId xmlns:p14="http://schemas.microsoft.com/office/powerpoint/2010/main" val="2722041200"/>
+        <p14:creationId xmlns:p14="http://schemas.microsoft.com/office/powerpoint/2010/main" val="795684243"/>
       </p:ext>
     </p:extLst>
   </p:cSld>
@@ -9355,7 +10304,7 @@
 </p:sld>
 </file>
 
-<file path=ppt/slides/slide21.xml><?xml version="1.0" encoding="utf-8"?>
+<file path=ppt/slides/slide28.xml><?xml version="1.0" encoding="utf-8"?>
 <p:sld xmlns:a="http://schemas.openxmlformats.org/drawingml/2006/main" xmlns:r="http://schemas.openxmlformats.org/officeDocument/2006/relationships" xmlns:p="http://schemas.openxmlformats.org/presentationml/2006/main">
   <p:cSld>
     <p:spTree>
@@ -9377,131 +10326,6 @@
           <p:cNvPr id="2" name="Title 1">
             <a:extLst>
               <a:ext uri="{FF2B5EF4-FFF2-40B4-BE49-F238E27FC236}">
-                <a16:creationId xmlns:a16="http://schemas.microsoft.com/office/drawing/2014/main" id="{B59E378F-4AEC-4D41-8CE1-1E7BEE2F50DA}"/>
-              </a:ext>
-            </a:extLst>
-          </p:cNvPr>
-          <p:cNvSpPr>
-            <a:spLocks noGrp="1"/>
-          </p:cNvSpPr>
-          <p:nvPr>
-            <p:ph type="title"/>
-          </p:nvPr>
-        </p:nvSpPr>
-        <p:spPr/>
-        <p:txBody>
-          <a:bodyPr/>
-          <a:lstStyle/>
-          <a:p>
-            <a:r>
-              <a:rPr lang="en-US" dirty="0"/>
-              <a:t>Use security best practices</a:t>
-            </a:r>
-          </a:p>
-        </p:txBody>
-      </p:sp>
-      <p:sp>
-        <p:nvSpPr>
-          <p:cNvPr id="3" name="Content Placeholder 2">
-            <a:extLst>
-              <a:ext uri="{FF2B5EF4-FFF2-40B4-BE49-F238E27FC236}">
-                <a16:creationId xmlns:a16="http://schemas.microsoft.com/office/drawing/2014/main" id="{CAFFBB4B-C8C1-4037-826B-C6B37D23B0F0}"/>
-              </a:ext>
-            </a:extLst>
-          </p:cNvPr>
-          <p:cNvSpPr>
-            <a:spLocks noGrp="1"/>
-          </p:cNvSpPr>
-          <p:nvPr>
-            <p:ph idx="1"/>
-          </p:nvPr>
-        </p:nvSpPr>
-        <p:spPr/>
-        <p:txBody>
-          <a:bodyPr/>
-          <a:lstStyle/>
-          <a:p>
-            <a:r>
-              <a:rPr lang="en-US" dirty="0"/>
-              <a:t>Use security best practices such as secure coding practices, secure communication protocols, and secure data storage.</a:t>
-            </a:r>
-          </a:p>
-          <a:p>
-            <a:r>
-              <a:rPr lang="en-US" dirty="0"/>
-              <a:t>Ensure that all sensitive data is encrypted and access is restricted to authorized personnel.</a:t>
-            </a:r>
-          </a:p>
-          <a:p>
-            <a:endParaRPr lang="en-US" dirty="0"/>
-          </a:p>
-        </p:txBody>
-      </p:sp>
-      <p:sp>
-        <p:nvSpPr>
-          <p:cNvPr id="4" name="Slide Number Placeholder 3">
-            <a:extLst>
-              <a:ext uri="{FF2B5EF4-FFF2-40B4-BE49-F238E27FC236}">
-                <a16:creationId xmlns:a16="http://schemas.microsoft.com/office/drawing/2014/main" id="{033D2BC3-41B2-40EB-916D-9300658AF2AA}"/>
-              </a:ext>
-            </a:extLst>
-          </p:cNvPr>
-          <p:cNvSpPr>
-            <a:spLocks noGrp="1"/>
-          </p:cNvSpPr>
-          <p:nvPr>
-            <p:ph type="sldNum" sz="quarter" idx="12"/>
-          </p:nvPr>
-        </p:nvSpPr>
-        <p:spPr/>
-        <p:txBody>
-          <a:bodyPr/>
-          <a:lstStyle/>
-          <a:p>
-            <a:fld id="{B8DACC02-A2BD-4578-8E03-6D891060A695}" type="slidenum">
-              <a:rPr lang="en-US" smtClean="0"/>
-              <a:pPr/>
-              <a:t>21</a:t>
-            </a:fld>
-            <a:endParaRPr lang="en-US" dirty="0"/>
-          </a:p>
-        </p:txBody>
-      </p:sp>
-    </p:spTree>
-    <p:extLst>
-      <p:ext uri="{BB962C8B-B14F-4D97-AF65-F5344CB8AC3E}">
-        <p14:creationId xmlns:p14="http://schemas.microsoft.com/office/powerpoint/2010/main" val="795684243"/>
-      </p:ext>
-    </p:extLst>
-  </p:cSld>
-  <p:clrMapOvr>
-    <a:masterClrMapping/>
-  </p:clrMapOvr>
-</p:sld>
-</file>
-
-<file path=ppt/slides/slide22.xml><?xml version="1.0" encoding="utf-8"?>
-<p:sld xmlns:a="http://schemas.openxmlformats.org/drawingml/2006/main" xmlns:r="http://schemas.openxmlformats.org/officeDocument/2006/relationships" xmlns:p="http://schemas.openxmlformats.org/presentationml/2006/main">
-  <p:cSld>
-    <p:spTree>
-      <p:nvGrpSpPr>
-        <p:cNvPr id="1" name=""/>
-        <p:cNvGrpSpPr/>
-        <p:nvPr/>
-      </p:nvGrpSpPr>
-      <p:grpSpPr>
-        <a:xfrm>
-          <a:off x="0" y="0"/>
-          <a:ext cx="0" cy="0"/>
-          <a:chOff x="0" y="0"/>
-          <a:chExt cx="0" cy="0"/>
-        </a:xfrm>
-      </p:grpSpPr>
-      <p:sp>
-        <p:nvSpPr>
-          <p:cNvPr id="2" name="Title 1">
-            <a:extLst>
-              <a:ext uri="{FF2B5EF4-FFF2-40B4-BE49-F238E27FC236}">
                 <a16:creationId xmlns:a16="http://schemas.microsoft.com/office/drawing/2014/main" id="{C2B29575-58DF-483B-A65F-A08D272CAF4F}"/>
               </a:ext>
             </a:extLst>
@@ -9571,7 +10395,7 @@
             <a:fld id="{B8DACC02-A2BD-4578-8E03-6D891060A695}" type="slidenum">
               <a:rPr lang="en-US" smtClean="0"/>
               <a:pPr/>
-              <a:t>22</a:t>
+              <a:t>28</a:t>
             </a:fld>
             <a:endParaRPr lang="en-US" dirty="0"/>
           </a:p>
@@ -9637,7 +10461,7 @@
 </p:sld>
 </file>
 
-<file path=ppt/slides/slide23.xml><?xml version="1.0" encoding="utf-8"?>
+<file path=ppt/slides/slide29.xml><?xml version="1.0" encoding="utf-8"?>
 <p:sld xmlns:a="http://schemas.openxmlformats.org/drawingml/2006/main" xmlns:r="http://schemas.openxmlformats.org/officeDocument/2006/relationships" xmlns:p="http://schemas.openxmlformats.org/presentationml/2006/main">
   <p:cSld>
     <p:spTree>
@@ -9741,7 +10565,7 @@
             <a:fld id="{B8DACC02-A2BD-4578-8E03-6D891060A695}" type="slidenum">
               <a:rPr lang="en-US" smtClean="0"/>
               <a:pPr/>
-              <a:t>23</a:t>
+              <a:t>29</a:t>
             </a:fld>
             <a:endParaRPr lang="en-US" dirty="0"/>
           </a:p>
@@ -9782,7 +10606,7 @@
           <p:cNvPr id="2" name="Title 1">
             <a:extLst>
               <a:ext uri="{FF2B5EF4-FFF2-40B4-BE49-F238E27FC236}">
-                <a16:creationId xmlns:a16="http://schemas.microsoft.com/office/drawing/2014/main" id="{253393E5-4EDC-43D7-B3CF-A0A169EC7A16}"/>
+                <a16:creationId xmlns:a16="http://schemas.microsoft.com/office/drawing/2014/main" id="{F6079B56-95ED-44E6-94D9-D2B46FBE3549}"/>
               </a:ext>
             </a:extLst>
           </p:cNvPr>
@@ -9800,7 +10624,7 @@
           <a:p>
             <a:r>
               <a:rPr lang="en-US" dirty="0"/>
-              <a:t>Understanding the Real-World Impact </a:t>
+              <a:t>Example</a:t>
             </a:r>
           </a:p>
         </p:txBody>
@@ -9810,7 +10634,7 @@
           <p:cNvPr id="3" name="Content Placeholder 2">
             <a:extLst>
               <a:ext uri="{FF2B5EF4-FFF2-40B4-BE49-F238E27FC236}">
-                <a16:creationId xmlns:a16="http://schemas.microsoft.com/office/drawing/2014/main" id="{13BBC9BF-54C8-4ABA-B7BD-A02789AA4E74}"/>
+                <a16:creationId xmlns:a16="http://schemas.microsoft.com/office/drawing/2014/main" id="{90450DE2-7C4C-4B5E-A9DD-83F5DC1ECCBC}"/>
               </a:ext>
             </a:extLst>
           </p:cNvPr>
@@ -9823,31 +10647,44 @@
         </p:nvSpPr>
         <p:spPr/>
         <p:txBody>
-          <a:bodyPr/>
-          <a:lstStyle/>
-          <a:p>
-            <a:r>
-              <a:rPr lang="en-US" dirty="0"/>
-              <a:t>Our project addresses a critical issue in the [industry/field]</a:t>
-            </a:r>
-          </a:p>
-          <a:p>
-            <a:r>
-              <a:rPr lang="en-US" dirty="0"/>
-              <a:t>The problem we're solving affects [number] of people/businesses/organizations</a:t>
-            </a:r>
-          </a:p>
-          <a:p>
-            <a:r>
-              <a:rPr lang="en-US" dirty="0"/>
-              <a:t>Our solution has the potential to improve [aspect of society/environment/economy]</a:t>
-            </a:r>
-          </a:p>
-          <a:p>
-            <a:endParaRPr lang="en-US" dirty="0"/>
-          </a:p>
-          <a:p>
-            <a:endParaRPr lang="en-US" dirty="0"/>
+          <a:bodyPr>
+            <a:normAutofit/>
+          </a:bodyPr>
+          <a:lstStyle/>
+          <a:p>
+            <a:r>
+              <a:rPr lang="en-US" dirty="0"/>
+              <a:t>Project Title: </a:t>
+            </a:r>
+            <a:r>
+              <a:rPr lang="en-US" dirty="0" err="1"/>
+              <a:t>HealthyLife</a:t>
+            </a:r>
+            <a:r>
+              <a:rPr lang="en-US" dirty="0"/>
+              <a:t> - A Mobile App for Healthy Living</a:t>
+            </a:r>
+          </a:p>
+          <a:p>
+            <a:r>
+              <a:rPr lang="en-US" dirty="0"/>
+              <a:t>Project Scope Statement:</a:t>
+            </a:r>
+          </a:p>
+          <a:p>
+            <a:pPr lvl="1"/>
+            <a:r>
+              <a:rPr lang="en-US" dirty="0"/>
+              <a:t>The </a:t>
+            </a:r>
+            <a:r>
+              <a:rPr lang="en-US" dirty="0" err="1"/>
+              <a:t>HealthyLife</a:t>
+            </a:r>
+            <a:r>
+              <a:rPr lang="en-US" dirty="0"/>
+              <a:t> mobile app is designed to help users maintain a healthy lifestyle by tracking their diet, exercise, and providing well-calculated healthy recipes. The app will be developed for both Android and iOS platforms.</a:t>
+            </a:r>
           </a:p>
         </p:txBody>
       </p:sp>
@@ -9856,7 +10693,7 @@
           <p:cNvPr id="4" name="Slide Number Placeholder 3">
             <a:extLst>
               <a:ext uri="{FF2B5EF4-FFF2-40B4-BE49-F238E27FC236}">
-                <a16:creationId xmlns:a16="http://schemas.microsoft.com/office/drawing/2014/main" id="{D9D847FC-5716-42FF-8245-4A620395E4EB}"/>
+                <a16:creationId xmlns:a16="http://schemas.microsoft.com/office/drawing/2014/main" id="{365D29C9-DC88-4E79-A7B3-7966F914D638}"/>
               </a:ext>
             </a:extLst>
           </p:cNvPr>
@@ -9884,7 +10721,7 @@
     </p:spTree>
     <p:extLst>
       <p:ext uri="{BB962C8B-B14F-4D97-AF65-F5344CB8AC3E}">
-        <p14:creationId xmlns:p14="http://schemas.microsoft.com/office/powerpoint/2010/main" val="2400400548"/>
+        <p14:creationId xmlns:p14="http://schemas.microsoft.com/office/powerpoint/2010/main" val="2082530851"/>
       </p:ext>
     </p:extLst>
   </p:cSld>
@@ -9916,7 +10753,7 @@
           <p:cNvPr id="2" name="Title 1">
             <a:extLst>
               <a:ext uri="{FF2B5EF4-FFF2-40B4-BE49-F238E27FC236}">
-                <a16:creationId xmlns:a16="http://schemas.microsoft.com/office/drawing/2014/main" id="{82444F16-621D-4D18-AA67-67FD321B6D51}"/>
+                <a16:creationId xmlns:a16="http://schemas.microsoft.com/office/drawing/2014/main" id="{F6079B56-95ED-44E6-94D9-D2B46FBE3549}"/>
               </a:ext>
             </a:extLst>
           </p:cNvPr>
@@ -9929,14 +10766,12 @@
         </p:nvSpPr>
         <p:spPr/>
         <p:txBody>
-          <a:bodyPr>
-            <a:normAutofit fontScale="90000"/>
-          </a:bodyPr>
-          <a:lstStyle/>
-          <a:p>
-            <a:r>
-              <a:rPr lang="en-US" dirty="0"/>
-              <a:t>Connecting Our Project to Real-World Challenges</a:t>
+          <a:bodyPr/>
+          <a:lstStyle/>
+          <a:p>
+            <a:r>
+              <a:rPr lang="en-US" dirty="0"/>
+              <a:t>Example</a:t>
             </a:r>
           </a:p>
         </p:txBody>
@@ -9946,7 +10781,7 @@
           <p:cNvPr id="3" name="Content Placeholder 2">
             <a:extLst>
               <a:ext uri="{FF2B5EF4-FFF2-40B4-BE49-F238E27FC236}">
-                <a16:creationId xmlns:a16="http://schemas.microsoft.com/office/drawing/2014/main" id="{C900F745-473E-453E-9CF5-1B5E0560712A}"/>
+                <a16:creationId xmlns:a16="http://schemas.microsoft.com/office/drawing/2014/main" id="{90450DE2-7C4C-4B5E-A9DD-83F5DC1ECCBC}"/>
               </a:ext>
             </a:extLst>
           </p:cNvPr>
@@ -9966,29 +10801,50 @@
           <a:p>
             <a:r>
               <a:rPr lang="en-US" dirty="0"/>
-              <a:t>"Our project addresses a specific challenge in the [industry/field]</a:t>
-            </a:r>
-          </a:p>
-          <a:p>
-            <a:r>
-              <a:rPr lang="en-US" dirty="0"/>
-              <a:t>This challenge is a major concern for [stakeholders/businesses/organizations]</a:t>
-            </a:r>
-          </a:p>
-          <a:p>
-            <a:r>
-              <a:rPr lang="en-US" dirty="0"/>
-              <a:t>Our solution could potentially disrupt/improve the way [industry/field] operates</a:t>
-            </a:r>
-          </a:p>
-          <a:p>
-            <a:r>
-              <a:rPr lang="en-US" dirty="0"/>
-              <a:t>Our project aligns with the goals of [related initiatives/policies/regulations]</a:t>
-            </a:r>
-          </a:p>
-          <a:p>
-            <a:endParaRPr lang="en-US" dirty="0"/>
+              <a:t>Goals:</a:t>
+            </a:r>
+          </a:p>
+          <a:p>
+            <a:pPr lvl="1"/>
+            <a:r>
+              <a:rPr lang="en-US" dirty="0"/>
+              <a:t>Develop a user-friendly and intuitive mobile app that allows users to track their daily calorie intake and burn.</a:t>
+            </a:r>
+          </a:p>
+          <a:p>
+            <a:pPr lvl="1"/>
+            <a:r>
+              <a:rPr lang="en-US" dirty="0"/>
+              <a:t>Provide a database of healthy recipes with detailed nutritional information and step-by-step instructions.</a:t>
+            </a:r>
+          </a:p>
+          <a:p>
+            <a:pPr lvl="1"/>
+            <a:r>
+              <a:rPr lang="en-US" dirty="0"/>
+              <a:t>Offer a meal planning feature that suggests healthy meals based on user preferences and dietary restrictions.</a:t>
+            </a:r>
+          </a:p>
+          <a:p>
+            <a:pPr lvl="1"/>
+            <a:r>
+              <a:rPr lang="en-US" dirty="0"/>
+              <a:t>Incorporate a fitness tracker that records user exercise and provides personalized recommendations.</a:t>
+            </a:r>
+          </a:p>
+          <a:p>
+            <a:pPr lvl="1"/>
+            <a:r>
+              <a:rPr lang="en-US" dirty="0"/>
+              <a:t>Enable users to set and track their health goals, such as weight loss or muscle gain.</a:t>
+            </a:r>
+          </a:p>
+          <a:p>
+            <a:pPr lvl="1"/>
+            <a:r>
+              <a:rPr lang="en-US" dirty="0"/>
+              <a:t>Provide a social feature that allows users to share their progress and connect with like-minded individuals.</a:t>
+            </a:r>
           </a:p>
           <a:p>
             <a:endParaRPr lang="en-US" dirty="0"/>
@@ -10000,7 +10856,7 @@
           <p:cNvPr id="4" name="Slide Number Placeholder 3">
             <a:extLst>
               <a:ext uri="{FF2B5EF4-FFF2-40B4-BE49-F238E27FC236}">
-                <a16:creationId xmlns:a16="http://schemas.microsoft.com/office/drawing/2014/main" id="{B5BABCC7-A8C3-469E-82C7-13E912EFC33B}"/>
+                <a16:creationId xmlns:a16="http://schemas.microsoft.com/office/drawing/2014/main" id="{365D29C9-DC88-4E79-A7B3-7966F914D638}"/>
               </a:ext>
             </a:extLst>
           </p:cNvPr>
@@ -10028,7 +10884,7 @@
     </p:spTree>
     <p:extLst>
       <p:ext uri="{BB962C8B-B14F-4D97-AF65-F5344CB8AC3E}">
-        <p14:creationId xmlns:p14="http://schemas.microsoft.com/office/powerpoint/2010/main" val="3503640097"/>
+        <p14:creationId xmlns:p14="http://schemas.microsoft.com/office/powerpoint/2010/main" val="1101662430"/>
       </p:ext>
     </p:extLst>
   </p:cSld>
@@ -10060,7 +10916,7 @@
           <p:cNvPr id="2" name="Title 1">
             <a:extLst>
               <a:ext uri="{FF2B5EF4-FFF2-40B4-BE49-F238E27FC236}">
-                <a16:creationId xmlns:a16="http://schemas.microsoft.com/office/drawing/2014/main" id="{C93C3FDF-13D0-445A-881F-4983DEE9673F}"/>
+                <a16:creationId xmlns:a16="http://schemas.microsoft.com/office/drawing/2014/main" id="{F6079B56-95ED-44E6-94D9-D2B46FBE3549}"/>
               </a:ext>
             </a:extLst>
           </p:cNvPr>
@@ -10073,6 +10929,34 @@
         </p:nvSpPr>
         <p:spPr/>
         <p:txBody>
+          <a:bodyPr/>
+          <a:lstStyle/>
+          <a:p>
+            <a:r>
+              <a:rPr lang="en-US" dirty="0"/>
+              <a:t>Example</a:t>
+            </a:r>
+          </a:p>
+        </p:txBody>
+      </p:sp>
+      <p:sp>
+        <p:nvSpPr>
+          <p:cNvPr id="3" name="Content Placeholder 2">
+            <a:extLst>
+              <a:ext uri="{FF2B5EF4-FFF2-40B4-BE49-F238E27FC236}">
+                <a16:creationId xmlns:a16="http://schemas.microsoft.com/office/drawing/2014/main" id="{90450DE2-7C4C-4B5E-A9DD-83F5DC1ECCBC}"/>
+              </a:ext>
+            </a:extLst>
+          </p:cNvPr>
+          <p:cNvSpPr>
+            <a:spLocks noGrp="1"/>
+          </p:cNvSpPr>
+          <p:nvPr>
+            <p:ph idx="1"/>
+          </p:nvPr>
+        </p:nvSpPr>
+        <p:spPr/>
+        <p:txBody>
           <a:bodyPr>
             <a:normAutofit/>
           </a:bodyPr>
@@ -10080,59 +10964,29 @@
           <a:p>
             <a:r>
               <a:rPr lang="en-US" dirty="0"/>
-              <a:t>Potential Impact</a:t>
-            </a:r>
-          </a:p>
-        </p:txBody>
-      </p:sp>
-      <p:sp>
-        <p:nvSpPr>
-          <p:cNvPr id="3" name="Content Placeholder 2">
-            <a:extLst>
-              <a:ext uri="{FF2B5EF4-FFF2-40B4-BE49-F238E27FC236}">
-                <a16:creationId xmlns:a16="http://schemas.microsoft.com/office/drawing/2014/main" id="{439AA967-3A0E-4443-981D-ADC5FBDC1F58}"/>
-              </a:ext>
-            </a:extLst>
-          </p:cNvPr>
-          <p:cNvSpPr>
-            <a:spLocks noGrp="1"/>
-          </p:cNvSpPr>
-          <p:nvPr>
-            <p:ph idx="1"/>
-          </p:nvPr>
-        </p:nvSpPr>
-        <p:spPr/>
-        <p:txBody>
-          <a:bodyPr>
-            <a:normAutofit/>
-          </a:bodyPr>
-          <a:lstStyle/>
-          <a:p>
-            <a:r>
-              <a:rPr lang="en-US" dirty="0"/>
-              <a:t>Our solution has the potential to [positive impact on society/environment/economy]</a:t>
-            </a:r>
-          </a:p>
-          <a:p>
-            <a:r>
-              <a:rPr lang="en-US" dirty="0"/>
-              <a:t>This impact could be felt by [number] of people/businesses/organizations</a:t>
-            </a:r>
-          </a:p>
-          <a:p>
-            <a:r>
-              <a:rPr lang="en-US" dirty="0"/>
-              <a:t>Our project could contribute to [larger social/environmental/economic goal]</a:t>
-            </a:r>
-          </a:p>
-          <a:p>
-            <a:r>
-              <a:rPr lang="en-US" dirty="0"/>
-              <a:t>The potential benefits of our project are [specific benefits, e.g. cost savings, increased efficiency, improved health outcomes]</a:t>
-            </a:r>
-          </a:p>
-          <a:p>
-            <a:endParaRPr lang="en-US" dirty="0"/>
+              <a:t>Deliverables:</a:t>
+            </a:r>
+          </a:p>
+          <a:p>
+            <a:pPr lvl="1"/>
+            <a:r>
+              <a:rPr lang="en-US" dirty="0"/>
+              <a:t>A fully functional mobile app for healthy meals, calories watch, fitness, and well-calculated healthy recipes.</a:t>
+            </a:r>
+          </a:p>
+          <a:p>
+            <a:pPr lvl="1"/>
+            <a:r>
+              <a:rPr lang="en-US" dirty="0"/>
+              <a:t>A user manual and documentation for the app's features and functionality.</a:t>
+            </a:r>
+          </a:p>
+          <a:p>
+            <a:pPr lvl="1"/>
+            <a:r>
+              <a:rPr lang="en-US" dirty="0"/>
+              <a:t>A presentation and demonstration of the app's key features.</a:t>
+            </a:r>
           </a:p>
         </p:txBody>
       </p:sp>
@@ -10141,7 +10995,7 @@
           <p:cNvPr id="4" name="Slide Number Placeholder 3">
             <a:extLst>
               <a:ext uri="{FF2B5EF4-FFF2-40B4-BE49-F238E27FC236}">
-                <a16:creationId xmlns:a16="http://schemas.microsoft.com/office/drawing/2014/main" id="{569CBB24-695A-4BDA-963C-1644FA106D05}"/>
+                <a16:creationId xmlns:a16="http://schemas.microsoft.com/office/drawing/2014/main" id="{365D29C9-DC88-4E79-A7B3-7966F914D638}"/>
               </a:ext>
             </a:extLst>
           </p:cNvPr>
@@ -10169,7 +11023,7 @@
     </p:spTree>
     <p:extLst>
       <p:ext uri="{BB962C8B-B14F-4D97-AF65-F5344CB8AC3E}">
-        <p14:creationId xmlns:p14="http://schemas.microsoft.com/office/powerpoint/2010/main" val="152558390"/>
+        <p14:creationId xmlns:p14="http://schemas.microsoft.com/office/powerpoint/2010/main" val="3072886729"/>
       </p:ext>
     </p:extLst>
   </p:cSld>
@@ -10201,7 +11055,7 @@
           <p:cNvPr id="2" name="Title 1">
             <a:extLst>
               <a:ext uri="{FF2B5EF4-FFF2-40B4-BE49-F238E27FC236}">
-                <a16:creationId xmlns:a16="http://schemas.microsoft.com/office/drawing/2014/main" id="{2ECB096E-D5F1-48ED-866A-19FAD5031BD5}"/>
+                <a16:creationId xmlns:a16="http://schemas.microsoft.com/office/drawing/2014/main" id="{F6079B56-95ED-44E6-94D9-D2B46FBE3549}"/>
               </a:ext>
             </a:extLst>
           </p:cNvPr>
@@ -10219,7 +11073,7 @@
           <a:p>
             <a:r>
               <a:rPr lang="en-US" dirty="0"/>
-              <a:t>What Sets Our Project Apart</a:t>
+              <a:t>Example</a:t>
             </a:r>
           </a:p>
         </p:txBody>
@@ -10229,7 +11083,7 @@
           <p:cNvPr id="3" name="Content Placeholder 2">
             <a:extLst>
               <a:ext uri="{FF2B5EF4-FFF2-40B4-BE49-F238E27FC236}">
-                <a16:creationId xmlns:a16="http://schemas.microsoft.com/office/drawing/2014/main" id="{D2C78C20-6C2D-425D-99F6-BD485EB6824D}"/>
+                <a16:creationId xmlns:a16="http://schemas.microsoft.com/office/drawing/2014/main" id="{90450DE2-7C4C-4B5E-A9DD-83F5DC1ECCBC}"/>
               </a:ext>
             </a:extLst>
           </p:cNvPr>
@@ -10242,31 +11096,50 @@
         </p:nvSpPr>
         <p:spPr/>
         <p:txBody>
-          <a:bodyPr/>
-          <a:lstStyle/>
-          <a:p>
-            <a:r>
-              <a:rPr lang="en-US" dirty="0"/>
-              <a:t>"Our project is unique because it [briefly describe the project's unique features or approach]</a:t>
-            </a:r>
-          </a:p>
-          <a:p>
-            <a:r>
-              <a:rPr lang="en-US" dirty="0"/>
-              <a:t>This approach/feature set us apart from other projects in the industry</a:t>
-            </a:r>
-          </a:p>
-          <a:p>
-            <a:r>
-              <a:rPr lang="en-US" dirty="0"/>
-              <a:t>Our project's uniqueness provides a competitive advantage in the market</a:t>
-            </a:r>
-          </a:p>
-          <a:p>
-            <a:endParaRPr lang="en-US" dirty="0"/>
-          </a:p>
-          <a:p>
-            <a:endParaRPr lang="en-US" dirty="0"/>
+          <a:bodyPr>
+            <a:normAutofit/>
+          </a:bodyPr>
+          <a:lstStyle/>
+          <a:p>
+            <a:r>
+              <a:rPr lang="en-US" dirty="0"/>
+              <a:t>Stakeholders:</a:t>
+            </a:r>
+          </a:p>
+          <a:p>
+            <a:pPr lvl="1"/>
+            <a:r>
+              <a:rPr lang="en-US" dirty="0"/>
+              <a:t>Project manager: responsible for overseeing the project's progress, ensuring timely delivery, and managing resources.</a:t>
+            </a:r>
+          </a:p>
+          <a:p>
+            <a:pPr lvl="1"/>
+            <a:r>
+              <a:rPr lang="en-US" dirty="0"/>
+              <a:t>Software development team: responsible for designing, developing, and testing the app.</a:t>
+            </a:r>
+          </a:p>
+          <a:p>
+            <a:pPr lvl="1"/>
+            <a:r>
+              <a:rPr lang="en-US" dirty="0"/>
+              <a:t>Quality assurance team: responsible for testing and debugging the app.</a:t>
+            </a:r>
+          </a:p>
+          <a:p>
+            <a:pPr lvl="1"/>
+            <a:r>
+              <a:rPr lang="en-US" dirty="0"/>
+              <a:t>End-users: responsible for providing feedback and validation of the app's features and usability.</a:t>
+            </a:r>
+          </a:p>
+          <a:p>
+            <a:pPr lvl="1"/>
+            <a:r>
+              <a:rPr lang="en-US" dirty="0"/>
+              <a:t>Project sponsor: responsible for providing funding and resources for the project.</a:t>
+            </a:r>
           </a:p>
         </p:txBody>
       </p:sp>
@@ -10275,7 +11148,7 @@
           <p:cNvPr id="4" name="Slide Number Placeholder 3">
             <a:extLst>
               <a:ext uri="{FF2B5EF4-FFF2-40B4-BE49-F238E27FC236}">
-                <a16:creationId xmlns:a16="http://schemas.microsoft.com/office/drawing/2014/main" id="{282222B3-DD9F-410C-8066-4ED675E5E68B}"/>
+                <a16:creationId xmlns:a16="http://schemas.microsoft.com/office/drawing/2014/main" id="{365D29C9-DC88-4E79-A7B3-7966F914D638}"/>
               </a:ext>
             </a:extLst>
           </p:cNvPr>
@@ -10303,7 +11176,7 @@
     </p:spTree>
     <p:extLst>
       <p:ext uri="{BB962C8B-B14F-4D97-AF65-F5344CB8AC3E}">
-        <p14:creationId xmlns:p14="http://schemas.microsoft.com/office/powerpoint/2010/main" val="2511265921"/>
+        <p14:creationId xmlns:p14="http://schemas.microsoft.com/office/powerpoint/2010/main" val="1920360185"/>
       </p:ext>
     </p:extLst>
   </p:cSld>
@@ -10335,7 +11208,7 @@
           <p:cNvPr id="2" name="Title 1">
             <a:extLst>
               <a:ext uri="{FF2B5EF4-FFF2-40B4-BE49-F238E27FC236}">
-                <a16:creationId xmlns:a16="http://schemas.microsoft.com/office/drawing/2014/main" id="{F29ADC9A-2157-4652-9581-123BBBB0C9C9}"/>
+                <a16:creationId xmlns:a16="http://schemas.microsoft.com/office/drawing/2014/main" id="{F6079B56-95ED-44E6-94D9-D2B46FBE3549}"/>
               </a:ext>
             </a:extLst>
           </p:cNvPr>
@@ -10353,7 +11226,7 @@
           <a:p>
             <a:r>
               <a:rPr lang="en-US" dirty="0"/>
-              <a:t>The Value We Bring</a:t>
+              <a:t>Example</a:t>
             </a:r>
           </a:p>
         </p:txBody>
@@ -10363,7 +11236,7 @@
           <p:cNvPr id="3" name="Content Placeholder 2">
             <a:extLst>
               <a:ext uri="{FF2B5EF4-FFF2-40B4-BE49-F238E27FC236}">
-                <a16:creationId xmlns:a16="http://schemas.microsoft.com/office/drawing/2014/main" id="{1F566A08-F593-49B3-BC6E-54C55BE9E982}"/>
+                <a16:creationId xmlns:a16="http://schemas.microsoft.com/office/drawing/2014/main" id="{90450DE2-7C4C-4B5E-A9DD-83F5DC1ECCBC}"/>
               </a:ext>
             </a:extLst>
           </p:cNvPr>
@@ -10376,28 +11249,43 @@
         </p:nvSpPr>
         <p:spPr/>
         <p:txBody>
-          <a:bodyPr/>
-          <a:lstStyle/>
-          <a:p>
-            <a:r>
-              <a:rPr lang="en-US" dirty="0"/>
-              <a:t>Our project offers [describe the specific benefits or value that the project provides]</a:t>
-            </a:r>
-          </a:p>
-          <a:p>
-            <a:r>
-              <a:rPr lang="en-US" dirty="0"/>
-              <a:t>These benefits/value are not currently available in the market</a:t>
-            </a:r>
-          </a:p>
-          <a:p>
-            <a:r>
-              <a:rPr lang="en-US" dirty="0"/>
-              <a:t>Our project's added value sets us apart from the competition</a:t>
-            </a:r>
-          </a:p>
-          <a:p>
-            <a:endParaRPr lang="en-US" dirty="0"/>
+          <a:bodyPr>
+            <a:normAutofit/>
+          </a:bodyPr>
+          <a:lstStyle/>
+          <a:p>
+            <a:r>
+              <a:rPr lang="en-US" dirty="0"/>
+              <a:t>Process for scope changes:</a:t>
+            </a:r>
+          </a:p>
+          <a:p>
+            <a:pPr lvl="1"/>
+            <a:r>
+              <a:rPr lang="en-US" dirty="0"/>
+              <a:t>Any scope changes must be approved by the project manager and documented in the project's change log.</a:t>
+            </a:r>
+          </a:p>
+          <a:p>
+            <a:pPr lvl="1"/>
+            <a:r>
+              <a:rPr lang="en-US" dirty="0"/>
+              <a:t>The change log must include the reason for the change, the impact on the project's timeline and resources, and the new requirements or features.</a:t>
+            </a:r>
+          </a:p>
+          <a:p>
+            <a:pPr lvl="1"/>
+            <a:r>
+              <a:rPr lang="en-US" dirty="0"/>
+              <a:t>The project manager will communicate any scope changes to the software development team, quality assurance team, and end-users.</a:t>
+            </a:r>
+          </a:p>
+          <a:p>
+            <a:pPr lvl="1"/>
+            <a:r>
+              <a:rPr lang="en-US" dirty="0"/>
+              <a:t>The project manager will ensure that the project's goals and deliverables remain aligned with the scope changes.</a:t>
+            </a:r>
           </a:p>
         </p:txBody>
       </p:sp>
@@ -10406,7 +11294,7 @@
           <p:cNvPr id="4" name="Slide Number Placeholder 3">
             <a:extLst>
               <a:ext uri="{FF2B5EF4-FFF2-40B4-BE49-F238E27FC236}">
-                <a16:creationId xmlns:a16="http://schemas.microsoft.com/office/drawing/2014/main" id="{CFC891CC-1A60-40F2-943E-801DA271BA23}"/>
+                <a16:creationId xmlns:a16="http://schemas.microsoft.com/office/drawing/2014/main" id="{365D29C9-DC88-4E79-A7B3-7966F914D638}"/>
               </a:ext>
             </a:extLst>
           </p:cNvPr>
@@ -10434,7 +11322,7 @@
     </p:spTree>
     <p:extLst>
       <p:ext uri="{BB962C8B-B14F-4D97-AF65-F5344CB8AC3E}">
-        <p14:creationId xmlns:p14="http://schemas.microsoft.com/office/powerpoint/2010/main" val="632715464"/>
+        <p14:creationId xmlns:p14="http://schemas.microsoft.com/office/powerpoint/2010/main" val="3406071151"/>
       </p:ext>
     </p:extLst>
   </p:cSld>
@@ -10466,7 +11354,7 @@
           <p:cNvPr id="2" name="Title 1">
             <a:extLst>
               <a:ext uri="{FF2B5EF4-FFF2-40B4-BE49-F238E27FC236}">
-                <a16:creationId xmlns:a16="http://schemas.microsoft.com/office/drawing/2014/main" id="{C83E3C9C-C757-444F-85B9-01974AE59020}"/>
+                <a16:creationId xmlns:a16="http://schemas.microsoft.com/office/drawing/2014/main" id="{253393E5-4EDC-43D7-B3CF-A0A169EC7A16}"/>
               </a:ext>
             </a:extLst>
           </p:cNvPr>
@@ -10484,7 +11372,7 @@
           <a:p>
             <a:r>
               <a:rPr lang="en-US" dirty="0"/>
-              <a:t>Our Competitive Edge</a:t>
+              <a:t>Understanding the Real-World Impact </a:t>
             </a:r>
           </a:p>
         </p:txBody>
@@ -10494,7 +11382,7 @@
           <p:cNvPr id="3" name="Content Placeholder 2">
             <a:extLst>
               <a:ext uri="{FF2B5EF4-FFF2-40B4-BE49-F238E27FC236}">
-                <a16:creationId xmlns:a16="http://schemas.microsoft.com/office/drawing/2014/main" id="{9B617BCF-E118-416B-BE59-93586AD01656}"/>
+                <a16:creationId xmlns:a16="http://schemas.microsoft.com/office/drawing/2014/main" id="{13BBC9BF-54C8-4ABA-B7BD-A02789AA4E74}"/>
               </a:ext>
             </a:extLst>
           </p:cNvPr>
@@ -10512,19 +11400,19 @@
           <a:p>
             <a:r>
               <a:rPr lang="en-US" dirty="0"/>
-              <a:t>Our project's unique approach/features give us a competitive advantage in the market</a:t>
-            </a:r>
-          </a:p>
-          <a:p>
-            <a:r>
-              <a:rPr lang="en-US" dirty="0"/>
-              <a:t>Our project offers [describe the specific benefits or value that the project provides]</a:t>
-            </a:r>
-          </a:p>
-          <a:p>
-            <a:r>
-              <a:rPr lang="en-US" dirty="0"/>
-              <a:t>This sets us apart from the competition and provides a strong selling point</a:t>
+              <a:t>Our project addresses a critical issue in the [industry/field]</a:t>
+            </a:r>
+          </a:p>
+          <a:p>
+            <a:r>
+              <a:rPr lang="en-US" dirty="0"/>
+              <a:t>The problem we're solving affects [number] of people/businesses/organizations</a:t>
+            </a:r>
+          </a:p>
+          <a:p>
+            <a:r>
+              <a:rPr lang="en-US" dirty="0"/>
+              <a:t>Our solution has the potential to improve [aspect of society/environment/economy]</a:t>
             </a:r>
           </a:p>
           <a:p>
@@ -10540,7 +11428,7 @@
           <p:cNvPr id="4" name="Slide Number Placeholder 3">
             <a:extLst>
               <a:ext uri="{FF2B5EF4-FFF2-40B4-BE49-F238E27FC236}">
-                <a16:creationId xmlns:a16="http://schemas.microsoft.com/office/drawing/2014/main" id="{257838B9-4013-4B8C-958E-22BD4DA572F9}"/>
+                <a16:creationId xmlns:a16="http://schemas.microsoft.com/office/drawing/2014/main" id="{D9D847FC-5716-42FF-8245-4A620395E4EB}"/>
               </a:ext>
             </a:extLst>
           </p:cNvPr>
@@ -10568,7 +11456,7 @@
     </p:spTree>
     <p:extLst>
       <p:ext uri="{BB962C8B-B14F-4D97-AF65-F5344CB8AC3E}">
-        <p14:creationId xmlns:p14="http://schemas.microsoft.com/office/powerpoint/2010/main" val="3365914269"/>
+        <p14:creationId xmlns:p14="http://schemas.microsoft.com/office/powerpoint/2010/main" val="2400400548"/>
       </p:ext>
     </p:extLst>
   </p:cSld>
@@ -10600,7 +11488,7 @@
           <p:cNvPr id="2" name="Title 1">
             <a:extLst>
               <a:ext uri="{FF2B5EF4-FFF2-40B4-BE49-F238E27FC236}">
-                <a16:creationId xmlns:a16="http://schemas.microsoft.com/office/drawing/2014/main" id="{BDF92F25-BF07-4B42-BF8C-AD9EF666E95B}"/>
+                <a16:creationId xmlns:a16="http://schemas.microsoft.com/office/drawing/2014/main" id="{33A302AA-8DF8-425D-9C93-972F728FCFD5}"/>
               </a:ext>
             </a:extLst>
           </p:cNvPr>
@@ -10618,7 +11506,7 @@
           <a:p>
             <a:r>
               <a:rPr lang="en-US" dirty="0"/>
-              <a:t>Capitalizing on a Growing Market</a:t>
+              <a:t>Understanding the Real-World Impact </a:t>
             </a:r>
           </a:p>
         </p:txBody>
@@ -10628,7 +11516,7 @@
           <p:cNvPr id="3" name="Content Placeholder 2">
             <a:extLst>
               <a:ext uri="{FF2B5EF4-FFF2-40B4-BE49-F238E27FC236}">
-                <a16:creationId xmlns:a16="http://schemas.microsoft.com/office/drawing/2014/main" id="{3A8E0A91-8515-4E48-B055-F4920C7E1BF9}"/>
+                <a16:creationId xmlns:a16="http://schemas.microsoft.com/office/drawing/2014/main" id="{C07699E0-1F82-48E8-9446-8965B0228591}"/>
               </a:ext>
             </a:extLst>
           </p:cNvPr>
@@ -10641,31 +11529,33 @@
         </p:nvSpPr>
         <p:spPr/>
         <p:txBody>
-          <a:bodyPr/>
-          <a:lstStyle/>
-          <a:p>
-            <a:r>
-              <a:rPr lang="en-US" dirty="0"/>
-              <a:t>The market for [specific industry/service] is growing rapidly</a:t>
-            </a:r>
-          </a:p>
-          <a:p>
-            <a:r>
-              <a:rPr lang="en-US" dirty="0"/>
-              <a:t>Our project is well-positioned to capitalize on this growth</a:t>
-            </a:r>
-          </a:p>
-          <a:p>
-            <a:r>
-              <a:rPr lang="en-US" dirty="0"/>
-              <a:t>Our unique approach/features make us an attractive option for customers</a:t>
-            </a:r>
-          </a:p>
-          <a:p>
-            <a:endParaRPr lang="en-US" dirty="0"/>
-          </a:p>
-          <a:p>
-            <a:endParaRPr lang="en-US" dirty="0"/>
+          <a:bodyPr>
+            <a:normAutofit/>
+          </a:bodyPr>
+          <a:lstStyle/>
+          <a:p>
+            <a:r>
+              <a:rPr lang="en-US" dirty="0"/>
+              <a:t>Our project addresses a critical issue in the healthcare industry.</a:t>
+            </a:r>
+          </a:p>
+          <a:p>
+            <a:r>
+              <a:rPr lang="en-US" dirty="0"/>
+              <a:t>The problem we're solving affects # people who are diagnosed with diabetes every year.</a:t>
+            </a:r>
+          </a:p>
+          <a:p>
+            <a:r>
+              <a:rPr lang="en-US" dirty="0"/>
+              <a:t>Our solution has the potential to improve the quality of life for people living with diabetes by providing them with a more efficient and personalized way to manage their condition.</a:t>
+            </a:r>
+          </a:p>
+          <a:p>
+            <a:r>
+              <a:rPr lang="en-US" dirty="0"/>
+              <a:t>By streamlining the process of tracking and managing diabetes, our solution can help reduce the economic burden of the disease on the healthcare system.</a:t>
+            </a:r>
           </a:p>
         </p:txBody>
       </p:sp>
@@ -10674,7 +11564,7 @@
           <p:cNvPr id="4" name="Slide Number Placeholder 3">
             <a:extLst>
               <a:ext uri="{FF2B5EF4-FFF2-40B4-BE49-F238E27FC236}">
-                <a16:creationId xmlns:a16="http://schemas.microsoft.com/office/drawing/2014/main" id="{98719456-D0EA-4771-BC28-BAB1DFF1A369}"/>
+                <a16:creationId xmlns:a16="http://schemas.microsoft.com/office/drawing/2014/main" id="{A2539BA1-761F-4CAC-B647-29EDA604088B}"/>
               </a:ext>
             </a:extLst>
           </p:cNvPr>
@@ -10702,7 +11592,7 @@
     </p:spTree>
     <p:extLst>
       <p:ext uri="{BB962C8B-B14F-4D97-AF65-F5344CB8AC3E}">
-        <p14:creationId xmlns:p14="http://schemas.microsoft.com/office/powerpoint/2010/main" val="2979451208"/>
+        <p14:creationId xmlns:p14="http://schemas.microsoft.com/office/powerpoint/2010/main" val="301044782"/>
       </p:ext>
     </p:extLst>
   </p:cSld>
